--- a/第6章-GIS数据处理高级开源库-10课时/第6章-GIS数据处理高级开源库.pptx
+++ b/第6章-GIS数据处理高级开源库-10课时/第6章-GIS数据处理高级开源库.pptx
@@ -6,10 +6,10 @@
     <p:sldMasterId id="2147484986" r:id="rId2"/>
   </p:sldMasterIdLst>
   <p:notesMasterIdLst>
-    <p:notesMasterId r:id="rId36"/>
+    <p:notesMasterId r:id="rId37"/>
   </p:notesMasterIdLst>
   <p:handoutMasterIdLst>
-    <p:handoutMasterId r:id="rId37"/>
+    <p:handoutMasterId r:id="rId38"/>
   </p:handoutMasterIdLst>
   <p:sldIdLst>
     <p:sldId id="2708" r:id="rId3"/>
@@ -44,12 +44,13 @@
     <p:sldId id="2807" r:id="rId32"/>
     <p:sldId id="2808" r:id="rId33"/>
     <p:sldId id="2809" r:id="rId34"/>
-    <p:sldId id="2810" r:id="rId35"/>
+    <p:sldId id="2811" r:id="rId35"/>
+    <p:sldId id="2810" r:id="rId36"/>
   </p:sldIdLst>
   <p:sldSz cx="12192000" cy="6858000"/>
   <p:notesSz cx="7099300" cy="10234613"/>
   <p:custDataLst>
-    <p:tags r:id="rId38"/>
+    <p:tags r:id="rId39"/>
   </p:custDataLst>
   <p:defaultTextStyle>
     <a:defPPr>
@@ -7551,7 +7552,7 @@
               <a:tabLst/>
               <a:defRPr/>
             </a:pPr>
-            <a:endParaRPr kumimoji="1" lang="zh-CN" altLang="zh-CN" sz="1200" kern="1200">
+            <a:endParaRPr kumimoji="1" lang="zh-CN" altLang="zh-CN" sz="1200" kern="1200" dirty="0">
               <a:solidFill>
                 <a:schemeClr val="tx1"/>
               </a:solidFill>
@@ -9533,6 +9534,85 @@
         <p:cNvPr id="1" name="">
           <a:extLst>
             <a:ext uri="{FF2B5EF4-FFF2-40B4-BE49-F238E27FC236}">
+              <a16:creationId xmlns:a16="http://schemas.microsoft.com/office/drawing/2014/main" id="{604FDE51-BD40-9E2A-0E0E-202B67D5FDC9}"/>
+            </a:ext>
+          </a:extLst>
+        </p:cNvPr>
+        <p:cNvGrpSpPr/>
+        <p:nvPr/>
+      </p:nvGrpSpPr>
+      <p:grpSpPr>
+        <a:xfrm>
+          <a:off x="0" y="0"/>
+          <a:ext cx="0" cy="0"/>
+          <a:chOff x="0" y="0"/>
+          <a:chExt cx="0" cy="0"/>
+        </a:xfrm>
+      </p:grpSpPr>
+      <p:sp>
+        <p:nvSpPr>
+          <p:cNvPr id="2" name="幻灯片图像占位符 1">
+            <a:extLst>
+              <a:ext uri="{FF2B5EF4-FFF2-40B4-BE49-F238E27FC236}">
+                <a16:creationId xmlns:a16="http://schemas.microsoft.com/office/drawing/2014/main" id="{0EF9F920-8A4C-A2FA-28C2-7A11B95E8ACA}"/>
+              </a:ext>
+            </a:extLst>
+          </p:cNvPr>
+          <p:cNvSpPr>
+            <a:spLocks noGrp="1" noRot="1" noChangeAspect="1"/>
+          </p:cNvSpPr>
+          <p:nvPr>
+            <p:ph type="sldImg"/>
+          </p:nvPr>
+        </p:nvSpPr>
+        <p:spPr/>
+      </p:sp>
+      <p:sp>
+        <p:nvSpPr>
+          <p:cNvPr id="3" name="备注占位符 2">
+            <a:extLst>
+              <a:ext uri="{FF2B5EF4-FFF2-40B4-BE49-F238E27FC236}">
+                <a16:creationId xmlns:a16="http://schemas.microsoft.com/office/drawing/2014/main" id="{24E4BD58-AF90-A05C-8B10-DF61B11C3FE7}"/>
+              </a:ext>
+            </a:extLst>
+          </p:cNvPr>
+          <p:cNvSpPr>
+            <a:spLocks noGrp="1"/>
+          </p:cNvSpPr>
+          <p:nvPr>
+            <p:ph type="body" idx="1"/>
+          </p:nvPr>
+        </p:nvSpPr>
+        <p:spPr/>
+        <p:txBody>
+          <a:bodyPr/>
+          <a:lstStyle/>
+          <a:p>
+            <a:endParaRPr lang="zh-CN" altLang="en-US" dirty="0"/>
+          </a:p>
+        </p:txBody>
+      </p:sp>
+    </p:spTree>
+    <p:extLst>
+      <p:ext uri="{BB962C8B-B14F-4D97-AF65-F5344CB8AC3E}">
+        <p14:creationId xmlns:p14="http://schemas.microsoft.com/office/powerpoint/2010/main" val="3507362023"/>
+      </p:ext>
+    </p:extLst>
+  </p:cSld>
+  <p:clrMapOvr>
+    <a:masterClrMapping/>
+  </p:clrMapOvr>
+</p:notes>
+</file>
+
+<file path=ppt/notesSlides/notesSlide34.xml><?xml version="1.0" encoding="utf-8"?>
+<p:notes xmlns:a="http://schemas.openxmlformats.org/drawingml/2006/main" xmlns:r="http://schemas.openxmlformats.org/officeDocument/2006/relationships" xmlns:p="http://schemas.openxmlformats.org/presentationml/2006/main">
+  <p:cSld>
+    <p:spTree>
+      <p:nvGrpSpPr>
+        <p:cNvPr id="1" name="">
+          <a:extLst>
+            <a:ext uri="{FF2B5EF4-FFF2-40B4-BE49-F238E27FC236}">
               <a16:creationId xmlns:a16="http://schemas.microsoft.com/office/drawing/2014/main" id="{04B93D62-DF52-6740-76DE-6CC2430EAC25}"/>
             </a:ext>
           </a:extLst>
@@ -18042,7 +18122,7 @@
                 <a:latin typeface="+mn-ea"/>
                 <a:ea typeface="+mn-ea"/>
               </a:rPr>
-              <a:t>是一个用于地图投影和坐标转换</a:t>
+              <a:t>是一个用于地图投影和坐标转换的</a:t>
             </a:r>
             <a:r>
               <a:rPr lang="en-US" altLang="zh-CN" dirty="0">
@@ -18062,7 +18142,7 @@
                 <a:latin typeface="+mn-ea"/>
                 <a:ea typeface="+mn-ea"/>
               </a:rPr>
-              <a:t>开源库，该库依赖与</a:t>
+              <a:t>开源库，该库依赖于</a:t>
             </a:r>
             <a:r>
               <a:rPr lang="en-US" altLang="zh-CN" b="1" dirty="0">
@@ -18702,7 +18782,7 @@
                 <a:latin typeface="+mn-ea"/>
                 <a:ea typeface="+mn-ea"/>
               </a:rPr>
-              <a:t>pyrpoj</a:t>
+              <a:t>pyproj</a:t>
             </a:r>
             <a:r>
               <a:rPr lang="zh-CN" altLang="en-US" dirty="0">
@@ -19193,8 +19273,8 @@
         </p:nvSpPr>
         <p:spPr>
           <a:xfrm>
-            <a:off x="385695" y="1520567"/>
-            <a:ext cx="11497171" cy="1822102"/>
+            <a:off x="385695" y="1474850"/>
+            <a:ext cx="11497171" cy="2022157"/>
           </a:xfrm>
           <a:prstGeom prst="rect">
             <a:avLst/>
@@ -19230,7 +19310,71 @@
                 <a:latin typeface="+mn-ea"/>
                 <a:ea typeface="+mn-ea"/>
               </a:rPr>
-              <a:t>由按行和列（或格网）组成的像元（或像素）矩阵，其中的每个像元为一个信息存储单元。栅格常用于数字航空像片、卫星影像、数字图片或扫描地图数据的保存。</a:t>
+              <a:t>由按行和列（或格网）组成的像元（或像素）矩阵，其中的每个像元为一个信息存储单元。简单讲，栅格数据由一个</a:t>
+            </a:r>
+            <a:r>
+              <a:rPr lang="zh-CN" altLang="en-US" sz="2600" b="1" dirty="0">
+                <a:solidFill>
+                  <a:srgbClr val="FF0000"/>
+                </a:solidFill>
+                <a:latin typeface="+mn-ea"/>
+                <a:ea typeface="+mn-ea"/>
+              </a:rPr>
+              <a:t>格网</a:t>
+            </a:r>
+            <a:r>
+              <a:rPr lang="zh-CN" altLang="en-US" sz="2600" dirty="0">
+                <a:solidFill>
+                  <a:srgbClr val="151515"/>
+                </a:solidFill>
+                <a:latin typeface="+mn-ea"/>
+                <a:ea typeface="+mn-ea"/>
+              </a:rPr>
+              <a:t>和</a:t>
+            </a:r>
+            <a:r>
+              <a:rPr lang="zh-CN" altLang="en-US" sz="2600" b="1" dirty="0">
+                <a:solidFill>
+                  <a:srgbClr val="FF0000"/>
+                </a:solidFill>
+                <a:latin typeface="+mn-ea"/>
+                <a:ea typeface="+mn-ea"/>
+              </a:rPr>
+              <a:t>像元值</a:t>
+            </a:r>
+            <a:r>
+              <a:rPr lang="zh-CN" altLang="en-US" sz="2600" dirty="0">
+                <a:solidFill>
+                  <a:srgbClr val="151515"/>
+                </a:solidFill>
+                <a:latin typeface="+mn-ea"/>
+                <a:ea typeface="+mn-ea"/>
+              </a:rPr>
+              <a:t>组成。</a:t>
+            </a:r>
+            <a:endParaRPr lang="en-US" altLang="zh-CN" sz="2600" dirty="0">
+              <a:solidFill>
+                <a:srgbClr val="151515"/>
+              </a:solidFill>
+              <a:latin typeface="+mn-ea"/>
+              <a:ea typeface="+mn-ea"/>
+            </a:endParaRPr>
+          </a:p>
+          <a:p>
+            <a:pPr algn="just">
+              <a:lnSpc>
+                <a:spcPct val="150000"/>
+              </a:lnSpc>
+            </a:pPr>
+            <a:r>
+              <a:rPr lang="zh-CN" altLang="en-US" sz="2600" dirty="0">
+                <a:solidFill>
+                  <a:srgbClr val="151515"/>
+                </a:solidFill>
+                <a:latin typeface="+mn-ea"/>
+                <a:ea typeface="+mn-ea"/>
+              </a:rPr>
+              <a:t>栅格常用于数字航空像片、卫星影像、数字图片或扫描地图数据的保存。</a:t>
             </a:r>
             <a:endParaRPr lang="en-US" altLang="zh-CN" sz="2600" dirty="0">
               <a:solidFill>
@@ -19257,13 +19401,13 @@
           <p:nvPr>
             <p:extLst>
               <p:ext uri="{D42A27DB-BD31-4B8C-83A1-F6EECF244321}">
-                <p14:modId xmlns:p14="http://schemas.microsoft.com/office/powerpoint/2010/main" val="1969998113"/>
+                <p14:modId xmlns:p14="http://schemas.microsoft.com/office/powerpoint/2010/main" val="2593978304"/>
               </p:ext>
             </p:extLst>
           </p:nvPr>
         </p:nvGraphicFramePr>
         <p:xfrm>
-          <a:off x="2509381" y="3826437"/>
+          <a:off x="2509381" y="3976660"/>
           <a:ext cx="2874137" cy="2560320"/>
         </p:xfrm>
         <a:graphic>
@@ -21694,13 +21838,13 @@
           <p:nvPr>
             <p:extLst>
               <p:ext uri="{D42A27DB-BD31-4B8C-83A1-F6EECF244321}">
-                <p14:modId xmlns:p14="http://schemas.microsoft.com/office/powerpoint/2010/main" val="2464973358"/>
+                <p14:modId xmlns:p14="http://schemas.microsoft.com/office/powerpoint/2010/main" val="548279068"/>
               </p:ext>
             </p:extLst>
           </p:nvPr>
         </p:nvGraphicFramePr>
         <p:xfrm>
-          <a:off x="6368602" y="3768983"/>
+          <a:off x="6368602" y="3919206"/>
           <a:ext cx="2874137" cy="2560320"/>
         </p:xfrm>
         <a:graphic>
@@ -24719,13 +24863,13 @@
           <p:nvPr>
             <p:extLst>
               <p:ext uri="{D42A27DB-BD31-4B8C-83A1-F6EECF244321}">
-                <p14:modId xmlns:p14="http://schemas.microsoft.com/office/powerpoint/2010/main" val="1653112168"/>
+                <p14:modId xmlns:p14="http://schemas.microsoft.com/office/powerpoint/2010/main" val="2369977832"/>
               </p:ext>
             </p:extLst>
           </p:nvPr>
         </p:nvGraphicFramePr>
         <p:xfrm>
-          <a:off x="6473781" y="3912797"/>
+          <a:off x="6473781" y="4063020"/>
           <a:ext cx="2874137" cy="2560320"/>
         </p:xfrm>
         <a:graphic>
@@ -27499,13 +27643,13 @@
           <p:nvPr>
             <p:extLst>
               <p:ext uri="{D42A27DB-BD31-4B8C-83A1-F6EECF244321}">
-                <p14:modId xmlns:p14="http://schemas.microsoft.com/office/powerpoint/2010/main" val="3586913457"/>
+                <p14:modId xmlns:p14="http://schemas.microsoft.com/office/powerpoint/2010/main" val="1827803981"/>
               </p:ext>
             </p:extLst>
           </p:nvPr>
         </p:nvGraphicFramePr>
         <p:xfrm>
-          <a:off x="6578960" y="4058959"/>
+          <a:off x="6578960" y="4209182"/>
           <a:ext cx="2874137" cy="2560320"/>
         </p:xfrm>
         <a:graphic>
@@ -30278,7 +30422,7 @@
         </p:nvSpPr>
         <p:spPr>
           <a:xfrm>
-            <a:off x="2395263" y="3322607"/>
+            <a:off x="2395263" y="3472830"/>
             <a:ext cx="1107996" cy="461665"/>
           </a:xfrm>
           <a:prstGeom prst="rect">
@@ -30321,7 +30465,7 @@
         </p:nvSpPr>
         <p:spPr>
           <a:xfrm>
-            <a:off x="6263423" y="3322607"/>
+            <a:off x="6263423" y="3472830"/>
             <a:ext cx="1107996" cy="461665"/>
           </a:xfrm>
           <a:prstGeom prst="rect">
@@ -30898,8 +31042,8 @@
         </p:nvSpPr>
         <p:spPr>
           <a:xfrm>
-            <a:off x="2097109" y="6149942"/>
-            <a:ext cx="8055736" cy="400110"/>
+            <a:off x="2097109" y="6163004"/>
+            <a:ext cx="8055736" cy="461665"/>
           </a:xfrm>
           <a:prstGeom prst="rect">
             <a:avLst/>
@@ -30913,7 +31057,7 @@
           <a:lstStyle/>
           <a:p>
             <a:r>
-              <a:rPr lang="zh-CN" altLang="en-US" sz="2000" dirty="0">
+              <a:rPr lang="zh-CN" altLang="en-US" dirty="0">
                 <a:solidFill>
                   <a:schemeClr val="bg2"/>
                 </a:solidFill>
@@ -30923,7 +31067,7 @@
               <a:t>官方文档</a:t>
             </a:r>
             <a:r>
-              <a:rPr lang="zh-CN" altLang="en-US" sz="2000" b="1" dirty="0">
+              <a:rPr lang="zh-CN" altLang="en-US" b="1" dirty="0">
                 <a:solidFill>
                   <a:schemeClr val="bg2"/>
                 </a:solidFill>
@@ -30933,7 +31077,7 @@
               <a:t>：</a:t>
             </a:r>
             <a:r>
-              <a:rPr lang="en-US" altLang="zh-CN" sz="2000" dirty="0">
+              <a:rPr lang="en-US" altLang="zh-CN" dirty="0">
                 <a:solidFill>
                   <a:srgbClr val="333333"/>
                 </a:solidFill>
@@ -30942,7 +31086,7 @@
               </a:rPr>
               <a:t>https://rasterio.readthedocs.io</a:t>
             </a:r>
-            <a:endParaRPr lang="en-US" altLang="zh-CN" sz="2000" dirty="0">
+            <a:endParaRPr lang="en-US" altLang="zh-CN" dirty="0">
               <a:latin typeface="Roboto" panose="02000000000000000000" pitchFamily="2" charset="0"/>
             </a:endParaRPr>
           </a:p>
@@ -31387,8 +31531,8 @@
         </p:nvSpPr>
         <p:spPr>
           <a:xfrm>
-            <a:off x="407363" y="1069851"/>
-            <a:ext cx="9351317" cy="5474704"/>
+            <a:off x="270204" y="1069851"/>
+            <a:ext cx="11551683" cy="4366708"/>
           </a:xfrm>
           <a:prstGeom prst="rect">
             <a:avLst/>
@@ -34314,9 +34458,9 @@
         <p:grpSpPr>
           <a:xfrm>
             <a:off x="1881760" y="4598414"/>
-            <a:ext cx="6539773" cy="772176"/>
+            <a:ext cx="6112708" cy="772176"/>
             <a:chOff x="2121802" y="2115450"/>
-            <a:chExt cx="5135119" cy="576000"/>
+            <a:chExt cx="4799782" cy="576000"/>
           </a:xfrm>
         </p:grpSpPr>
         <p:sp>
@@ -34393,8 +34537,8 @@
           </p:nvSpPr>
           <p:spPr>
             <a:xfrm>
-              <a:off x="2805502" y="2173517"/>
-              <a:ext cx="4451419" cy="436209"/>
+              <a:off x="2805501" y="2173517"/>
+              <a:ext cx="4116083" cy="436209"/>
             </a:xfrm>
             <a:prstGeom prst="rect">
               <a:avLst/>
@@ -34425,7 +34569,7 @@
                   <a:latin typeface="Arial"/>
                   <a:ea typeface="微软雅黑"/>
                 </a:rPr>
-                <a:t>地理数据可视化</a:t>
+                <a:t>地理数据制图</a:t>
               </a:r>
             </a:p>
           </p:txBody>
@@ -39131,7 +39275,7 @@
         </p:nvSpPr>
         <p:spPr>
           <a:xfrm>
-            <a:off x="726440" y="811191"/>
+            <a:off x="726440" y="879941"/>
             <a:ext cx="9623895" cy="662489"/>
           </a:xfrm>
           <a:prstGeom prst="rect">
@@ -39204,8 +39348,8 @@
         </p:nvSpPr>
         <p:spPr>
           <a:xfrm>
-            <a:off x="726440" y="1479194"/>
-            <a:ext cx="10048240" cy="2797048"/>
+            <a:off x="726440" y="1466132"/>
+            <a:ext cx="10048240" cy="3531736"/>
           </a:xfrm>
           <a:prstGeom prst="rect">
             <a:avLst/>
@@ -39316,6 +39460,60 @@
                 <a:ea typeface="+mn-ea"/>
               </a:rPr>
               <a:t>支持多种样式设置：显示大小、颜色等，便于创建美观的可视化效果。</a:t>
+            </a:r>
+            <a:endParaRPr lang="en-US" altLang="zh-CN" dirty="0">
+              <a:solidFill>
+                <a:srgbClr val="333333"/>
+              </a:solidFill>
+              <a:latin typeface="+mn-ea"/>
+              <a:ea typeface="+mn-ea"/>
+            </a:endParaRPr>
+          </a:p>
+          <a:p>
+            <a:pPr algn="just">
+              <a:lnSpc>
+                <a:spcPct val="150000"/>
+              </a:lnSpc>
+            </a:pPr>
+            <a:r>
+              <a:rPr lang="en-US" altLang="zh-CN" dirty="0">
+                <a:solidFill>
+                  <a:srgbClr val="333333"/>
+                </a:solidFill>
+                <a:latin typeface="+mn-ea"/>
+                <a:ea typeface="+mn-ea"/>
+              </a:rPr>
+              <a:t>4. </a:t>
+            </a:r>
+            <a:r>
+              <a:rPr lang="zh-CN" altLang="en-US" dirty="0">
+                <a:solidFill>
+                  <a:srgbClr val="333333"/>
+                </a:solidFill>
+                <a:latin typeface="+mn-ea"/>
+                <a:ea typeface="+mn-ea"/>
+              </a:rPr>
+              <a:t>兼容其他开源库：</a:t>
+            </a:r>
+            <a:r>
+              <a:rPr lang="en-US" altLang="zh-CN" dirty="0">
+                <a:solidFill>
+                  <a:srgbClr val="333333"/>
+                </a:solidFill>
+                <a:latin typeface="+mn-ea"/>
+                <a:ea typeface="+mn-ea"/>
+              </a:rPr>
+              <a:t>matplotlib, pandas</a:t>
+            </a:r>
+            <a:r>
+              <a:rPr lang="zh-CN" altLang="en-US" dirty="0">
+                <a:solidFill>
+                  <a:srgbClr val="333333"/>
+                </a:solidFill>
+                <a:latin typeface="+mn-ea"/>
+                <a:ea typeface="+mn-ea"/>
+              </a:rPr>
+              <a:t>等。</a:t>
             </a:r>
             <a:endParaRPr lang="en-US" altLang="zh-CN" dirty="0">
               <a:solidFill>
@@ -39399,89 +39597,6 @@
           </a:prstGeom>
         </p:spPr>
       </p:pic>
-      <p:sp>
-        <p:nvSpPr>
-          <p:cNvPr id="6" name="文本框 5">
-            <a:extLst>
-              <a:ext uri="{FF2B5EF4-FFF2-40B4-BE49-F238E27FC236}">
-                <a16:creationId xmlns:a16="http://schemas.microsoft.com/office/drawing/2014/main" id="{96784EAA-71A7-06A5-E579-D3D386DF653A}"/>
-              </a:ext>
-            </a:extLst>
-          </p:cNvPr>
-          <p:cNvSpPr txBox="1"/>
-          <p:nvPr/>
-        </p:nvSpPr>
-        <p:spPr>
-          <a:xfrm>
-            <a:off x="726440" y="4286402"/>
-            <a:ext cx="6151880" cy="581057"/>
-          </a:xfrm>
-          <a:prstGeom prst="rect">
-            <a:avLst/>
-          </a:prstGeom>
-          <a:noFill/>
-        </p:spPr>
-        <p:txBody>
-          <a:bodyPr wrap="square">
-            <a:spAutoFit/>
-          </a:bodyPr>
-          <a:lstStyle/>
-          <a:p>
-            <a:pPr algn="just">
-              <a:lnSpc>
-                <a:spcPct val="150000"/>
-              </a:lnSpc>
-            </a:pPr>
-            <a:r>
-              <a:rPr lang="en-US" altLang="zh-CN" dirty="0">
-                <a:solidFill>
-                  <a:srgbClr val="333333"/>
-                </a:solidFill>
-                <a:latin typeface="+mn-ea"/>
-                <a:ea typeface="+mn-ea"/>
-              </a:rPr>
-              <a:t>4. </a:t>
-            </a:r>
-            <a:r>
-              <a:rPr lang="zh-CN" altLang="en-US" dirty="0">
-                <a:solidFill>
-                  <a:srgbClr val="333333"/>
-                </a:solidFill>
-                <a:latin typeface="+mn-ea"/>
-                <a:ea typeface="+mn-ea"/>
-              </a:rPr>
-              <a:t>兼容其他开源库：</a:t>
-            </a:r>
-            <a:r>
-              <a:rPr lang="en-US" altLang="zh-CN" dirty="0">
-                <a:solidFill>
-                  <a:srgbClr val="333333"/>
-                </a:solidFill>
-                <a:latin typeface="+mn-ea"/>
-                <a:ea typeface="+mn-ea"/>
-              </a:rPr>
-              <a:t>matplotlib, pandas</a:t>
-            </a:r>
-            <a:r>
-              <a:rPr lang="zh-CN" altLang="en-US" dirty="0">
-                <a:solidFill>
-                  <a:srgbClr val="333333"/>
-                </a:solidFill>
-                <a:latin typeface="+mn-ea"/>
-                <a:ea typeface="+mn-ea"/>
-              </a:rPr>
-              <a:t>等。</a:t>
-            </a:r>
-            <a:endParaRPr lang="en-US" altLang="zh-CN" dirty="0">
-              <a:solidFill>
-                <a:srgbClr val="333333"/>
-              </a:solidFill>
-              <a:latin typeface="+mn-ea"/>
-              <a:ea typeface="+mn-ea"/>
-            </a:endParaRPr>
-          </a:p>
-        </p:txBody>
-      </p:sp>
     </p:spTree>
     <p:extLst>
       <p:ext uri="{BB962C8B-B14F-4D97-AF65-F5344CB8AC3E}">
@@ -39559,7 +39674,7 @@
         </p:nvSpPr>
         <p:spPr>
           <a:xfrm>
-            <a:off x="147321" y="721322"/>
+            <a:off x="147321" y="714791"/>
             <a:ext cx="11897358" cy="3443379"/>
           </a:xfrm>
           <a:prstGeom prst="rect">
@@ -39891,8 +40006,8 @@
         </p:blipFill>
         <p:spPr>
           <a:xfrm>
-            <a:off x="787398" y="4215174"/>
-            <a:ext cx="9898565" cy="2393905"/>
+            <a:off x="1081312" y="4241298"/>
+            <a:ext cx="10090619" cy="2440352"/>
           </a:xfrm>
           <a:prstGeom prst="rect">
             <a:avLst/>
@@ -40136,7 +40251,7 @@
         </p:nvSpPr>
         <p:spPr>
           <a:xfrm>
-            <a:off x="447040" y="706082"/>
+            <a:off x="447040" y="699551"/>
             <a:ext cx="11744960" cy="2889381"/>
           </a:xfrm>
           <a:prstGeom prst="rect">
@@ -40369,7 +40484,7 @@
         </p:blipFill>
         <p:spPr>
           <a:xfrm>
-            <a:off x="1386841" y="3595464"/>
+            <a:off x="1386841" y="3647712"/>
             <a:ext cx="9258196" cy="3120296"/>
           </a:xfrm>
           <a:prstGeom prst="rect">
@@ -40430,7 +40545,7 @@
         </p:nvSpPr>
         <p:spPr>
           <a:xfrm>
-            <a:off x="492760" y="957905"/>
+            <a:off x="492760" y="879533"/>
             <a:ext cx="9560560" cy="743986"/>
           </a:xfrm>
           <a:prstGeom prst="rect">
@@ -40477,7 +40592,7 @@
                 <a:latin typeface="+mn-ea"/>
                 <a:ea typeface="+mn-ea"/>
               </a:rPr>
-              <a:t>昆明是主城区道路路网及建筑物分析</a:t>
+              <a:t>昆明市主城区道路路网及建筑物范围分析</a:t>
             </a:r>
             <a:endParaRPr lang="en-US" altLang="zh-CN" sz="3200" b="1" dirty="0">
               <a:solidFill>
@@ -40503,7 +40618,7 @@
         </p:nvSpPr>
         <p:spPr>
           <a:xfrm>
-            <a:off x="492760" y="1691731"/>
+            <a:off x="492760" y="1659076"/>
             <a:ext cx="11511280" cy="4489627"/>
           </a:xfrm>
           <a:prstGeom prst="rect">
@@ -40958,8 +41073,8 @@
         </p:nvSpPr>
         <p:spPr>
           <a:xfrm>
-            <a:off x="746760" y="957905"/>
-            <a:ext cx="10683240" cy="743986"/>
+            <a:off x="665480" y="957905"/>
+            <a:ext cx="10764520" cy="743986"/>
           </a:xfrm>
           <a:prstGeom prst="rect">
             <a:avLst/>
@@ -41438,6 +41553,548 @@
         <p:cNvPr id="1" name="">
           <a:extLst>
             <a:ext uri="{FF2B5EF4-FFF2-40B4-BE49-F238E27FC236}">
+              <a16:creationId xmlns:a16="http://schemas.microsoft.com/office/drawing/2014/main" id="{2C314F61-3747-9931-8EE6-507FC23465FD}"/>
+            </a:ext>
+          </a:extLst>
+        </p:cNvPr>
+        <p:cNvGrpSpPr/>
+        <p:nvPr/>
+      </p:nvGrpSpPr>
+      <p:grpSpPr>
+        <a:xfrm>
+          <a:off x="0" y="0"/>
+          <a:ext cx="0" cy="0"/>
+          <a:chOff x="0" y="0"/>
+          <a:chExt cx="0" cy="0"/>
+        </a:xfrm>
+      </p:grpSpPr>
+      <p:sp>
+        <p:nvSpPr>
+          <p:cNvPr id="11" name="TextBox 10">
+            <a:extLst>
+              <a:ext uri="{FF2B5EF4-FFF2-40B4-BE49-F238E27FC236}">
+                <a16:creationId xmlns:a16="http://schemas.microsoft.com/office/drawing/2014/main" id="{C380988A-27C9-DA58-1C31-860C3DA5EDE1}"/>
+              </a:ext>
+            </a:extLst>
+          </p:cNvPr>
+          <p:cNvSpPr txBox="1"/>
+          <p:nvPr/>
+        </p:nvSpPr>
+        <p:spPr>
+          <a:xfrm>
+            <a:off x="665480" y="957905"/>
+            <a:ext cx="10764520" cy="743986"/>
+          </a:xfrm>
+          <a:prstGeom prst="rect">
+            <a:avLst/>
+          </a:prstGeom>
+          <a:noFill/>
+        </p:spPr>
+        <p:txBody>
+          <a:bodyPr wrap="square" rtlCol="0">
+            <a:spAutoFit/>
+          </a:bodyPr>
+          <a:lstStyle/>
+          <a:p>
+            <a:pPr algn="just">
+              <a:lnSpc>
+                <a:spcPct val="150000"/>
+              </a:lnSpc>
+            </a:pPr>
+            <a:r>
+              <a:rPr lang="zh-CN" altLang="en-US" sz="3200" b="1" dirty="0">
+                <a:solidFill>
+                  <a:srgbClr val="333333"/>
+                </a:solidFill>
+                <a:latin typeface="+mn-ea"/>
+                <a:ea typeface="+mn-ea"/>
+              </a:rPr>
+              <a:t>章节实验</a:t>
+            </a:r>
+            <a:r>
+              <a:rPr lang="en-US" altLang="zh-CN" sz="3200" b="1" dirty="0">
+                <a:solidFill>
+                  <a:srgbClr val="333333"/>
+                </a:solidFill>
+                <a:latin typeface="+mn-ea"/>
+                <a:ea typeface="+mn-ea"/>
+              </a:rPr>
+              <a:t>3-</a:t>
+            </a:r>
+            <a:r>
+              <a:rPr lang="zh-CN" altLang="en-US" sz="3200" b="1" dirty="0">
+                <a:solidFill>
+                  <a:srgbClr val="333333"/>
+                </a:solidFill>
+                <a:latin typeface="+mn-ea"/>
+                <a:ea typeface="+mn-ea"/>
+              </a:rPr>
+              <a:t>多源地理数据可视化</a:t>
+            </a:r>
+            <a:endParaRPr lang="en-US" altLang="zh-CN" sz="3200" b="1" dirty="0">
+              <a:solidFill>
+                <a:srgbClr val="333333"/>
+              </a:solidFill>
+              <a:latin typeface="+mn-ea"/>
+              <a:ea typeface="+mn-ea"/>
+            </a:endParaRPr>
+          </a:p>
+        </p:txBody>
+      </p:sp>
+      <p:sp>
+        <p:nvSpPr>
+          <p:cNvPr id="13" name="TextBox 12">
+            <a:extLst>
+              <a:ext uri="{FF2B5EF4-FFF2-40B4-BE49-F238E27FC236}">
+                <a16:creationId xmlns:a16="http://schemas.microsoft.com/office/drawing/2014/main" id="{D625D4DF-9D74-84F7-84A5-AD1170283879}"/>
+              </a:ext>
+            </a:extLst>
+          </p:cNvPr>
+          <p:cNvSpPr txBox="1"/>
+          <p:nvPr/>
+        </p:nvSpPr>
+        <p:spPr>
+          <a:xfrm>
+            <a:off x="665480" y="1701891"/>
+            <a:ext cx="11338560" cy="4489627"/>
+          </a:xfrm>
+          <a:prstGeom prst="rect">
+            <a:avLst/>
+          </a:prstGeom>
+          <a:noFill/>
+        </p:spPr>
+        <p:txBody>
+          <a:bodyPr wrap="square">
+            <a:spAutoFit/>
+          </a:bodyPr>
+          <a:lstStyle/>
+          <a:p>
+            <a:pPr algn="just">
+              <a:lnSpc>
+                <a:spcPct val="150000"/>
+              </a:lnSpc>
+            </a:pPr>
+            <a:r>
+              <a:rPr lang="zh-CN" altLang="en-US" sz="2800" b="1" dirty="0">
+                <a:solidFill>
+                  <a:srgbClr val="FF0000"/>
+                </a:solidFill>
+                <a:latin typeface="Times New Roman" panose="02020603050405020304" pitchFamily="18" charset="0"/>
+                <a:ea typeface="+mn-ea"/>
+                <a:cs typeface="Times New Roman" panose="02020603050405020304" pitchFamily="18" charset="0"/>
+              </a:rPr>
+              <a:t>实验目标：</a:t>
+            </a:r>
+            <a:endParaRPr lang="en-US" altLang="zh-CN" sz="2800" b="1" dirty="0">
+              <a:solidFill>
+                <a:srgbClr val="FF0000"/>
+              </a:solidFill>
+              <a:latin typeface="Times New Roman" panose="02020603050405020304" pitchFamily="18" charset="0"/>
+              <a:ea typeface="+mn-ea"/>
+              <a:cs typeface="Times New Roman" panose="02020603050405020304" pitchFamily="18" charset="0"/>
+            </a:endParaRPr>
+          </a:p>
+          <a:p>
+            <a:pPr algn="just">
+              <a:lnSpc>
+                <a:spcPct val="150000"/>
+              </a:lnSpc>
+            </a:pPr>
+            <a:r>
+              <a:rPr lang="zh-CN" altLang="en-US" dirty="0">
+                <a:solidFill>
+                  <a:schemeClr val="bg2"/>
+                </a:solidFill>
+                <a:latin typeface="Times New Roman" panose="02020603050405020304" pitchFamily="18" charset="0"/>
+                <a:ea typeface="+mn-ea"/>
+                <a:cs typeface="Times New Roman" panose="02020603050405020304" pitchFamily="18" charset="0"/>
+              </a:rPr>
+              <a:t>掌握</a:t>
+            </a:r>
+            <a:r>
+              <a:rPr lang="en-US" altLang="zh-CN" dirty="0" err="1">
+                <a:solidFill>
+                  <a:schemeClr val="bg2"/>
+                </a:solidFill>
+                <a:latin typeface="Times New Roman" panose="02020603050405020304" pitchFamily="18" charset="0"/>
+                <a:ea typeface="+mn-ea"/>
+                <a:cs typeface="Times New Roman" panose="02020603050405020304" pitchFamily="18" charset="0"/>
+              </a:rPr>
+              <a:t>cartopy</a:t>
+            </a:r>
+            <a:r>
+              <a:rPr lang="zh-CN" altLang="en-US" dirty="0">
+                <a:solidFill>
+                  <a:schemeClr val="bg2"/>
+                </a:solidFill>
+                <a:latin typeface="Times New Roman" panose="02020603050405020304" pitchFamily="18" charset="0"/>
+                <a:ea typeface="+mn-ea"/>
+                <a:cs typeface="Times New Roman" panose="02020603050405020304" pitchFamily="18" charset="0"/>
+              </a:rPr>
+              <a:t>开源库进行多源地理数据可视化操作</a:t>
+            </a:r>
+            <a:endParaRPr lang="en-US" altLang="zh-CN" dirty="0">
+              <a:solidFill>
+                <a:schemeClr val="bg2"/>
+              </a:solidFill>
+              <a:latin typeface="Times New Roman" panose="02020603050405020304" pitchFamily="18" charset="0"/>
+              <a:ea typeface="+mn-ea"/>
+              <a:cs typeface="Times New Roman" panose="02020603050405020304" pitchFamily="18" charset="0"/>
+            </a:endParaRPr>
+          </a:p>
+          <a:p>
+            <a:pPr algn="just">
+              <a:lnSpc>
+                <a:spcPct val="150000"/>
+              </a:lnSpc>
+            </a:pPr>
+            <a:r>
+              <a:rPr lang="zh-CN" altLang="en-US" sz="2800" b="1" dirty="0">
+                <a:solidFill>
+                  <a:srgbClr val="FF0000"/>
+                </a:solidFill>
+                <a:latin typeface="Times New Roman" panose="02020603050405020304" pitchFamily="18" charset="0"/>
+                <a:ea typeface="+mn-ea"/>
+                <a:cs typeface="Times New Roman" panose="02020603050405020304" pitchFamily="18" charset="0"/>
+              </a:rPr>
+              <a:t>实验内容及要求：</a:t>
+            </a:r>
+            <a:endParaRPr lang="en-US" altLang="zh-CN" sz="2800" b="1" dirty="0">
+              <a:solidFill>
+                <a:srgbClr val="FF0000"/>
+              </a:solidFill>
+              <a:latin typeface="Times New Roman" panose="02020603050405020304" pitchFamily="18" charset="0"/>
+              <a:ea typeface="+mn-ea"/>
+              <a:cs typeface="Times New Roman" panose="02020603050405020304" pitchFamily="18" charset="0"/>
+            </a:endParaRPr>
+          </a:p>
+          <a:p>
+            <a:pPr algn="just">
+              <a:lnSpc>
+                <a:spcPct val="150000"/>
+              </a:lnSpc>
+            </a:pPr>
+            <a:r>
+              <a:rPr lang="zh-CN" altLang="en-US" dirty="0">
+                <a:solidFill>
+                  <a:schemeClr val="bg2"/>
+                </a:solidFill>
+                <a:latin typeface="Times New Roman" panose="02020603050405020304" pitchFamily="18" charset="0"/>
+                <a:ea typeface="+mn-ea"/>
+                <a:cs typeface="Times New Roman" panose="02020603050405020304" pitchFamily="18" charset="0"/>
+              </a:rPr>
+              <a:t>（</a:t>
+            </a:r>
+            <a:r>
+              <a:rPr lang="en-US" altLang="zh-CN" dirty="0">
+                <a:solidFill>
+                  <a:schemeClr val="bg2"/>
+                </a:solidFill>
+                <a:latin typeface="Times New Roman" panose="02020603050405020304" pitchFamily="18" charset="0"/>
+                <a:ea typeface="+mn-ea"/>
+                <a:cs typeface="Times New Roman" panose="02020603050405020304" pitchFamily="18" charset="0"/>
+              </a:rPr>
+              <a:t>1</a:t>
+            </a:r>
+            <a:r>
+              <a:rPr lang="zh-CN" altLang="en-US" dirty="0">
+                <a:solidFill>
+                  <a:schemeClr val="bg2"/>
+                </a:solidFill>
+                <a:latin typeface="Times New Roman" panose="02020603050405020304" pitchFamily="18" charset="0"/>
+                <a:ea typeface="+mn-ea"/>
+                <a:cs typeface="Times New Roman" panose="02020603050405020304" pitchFamily="18" charset="0"/>
+              </a:rPr>
+              <a:t>）获取昆明市遥感影像（多幅，</a:t>
+            </a:r>
+            <a:r>
+              <a:rPr lang="en-US" altLang="zh-CN" dirty="0" err="1">
+                <a:solidFill>
+                  <a:schemeClr val="bg2"/>
+                </a:solidFill>
+                <a:latin typeface="Times New Roman" panose="02020603050405020304" pitchFamily="18" charset="0"/>
+                <a:ea typeface="+mn-ea"/>
+                <a:cs typeface="Times New Roman" panose="02020603050405020304" pitchFamily="18" charset="0"/>
+              </a:rPr>
+              <a:t>utm</a:t>
+            </a:r>
+            <a:r>
+              <a:rPr lang="zh-CN" altLang="en-US" dirty="0">
+                <a:solidFill>
+                  <a:schemeClr val="bg2"/>
+                </a:solidFill>
+                <a:latin typeface="Times New Roman" panose="02020603050405020304" pitchFamily="18" charset="0"/>
+                <a:ea typeface="+mn-ea"/>
+                <a:cs typeface="Times New Roman" panose="02020603050405020304" pitchFamily="18" charset="0"/>
+              </a:rPr>
+              <a:t>投影）和路网数据（</a:t>
+            </a:r>
+            <a:r>
+              <a:rPr lang="en-US" altLang="zh-CN" dirty="0">
+                <a:solidFill>
+                  <a:schemeClr val="bg2"/>
+                </a:solidFill>
+                <a:latin typeface="Times New Roman" panose="02020603050405020304" pitchFamily="18" charset="0"/>
+                <a:ea typeface="+mn-ea"/>
+                <a:cs typeface="Times New Roman" panose="02020603050405020304" pitchFamily="18" charset="0"/>
+              </a:rPr>
+              <a:t>wgs84</a:t>
+            </a:r>
+            <a:r>
+              <a:rPr lang="zh-CN" altLang="en-US" dirty="0">
+                <a:solidFill>
+                  <a:schemeClr val="bg2"/>
+                </a:solidFill>
+                <a:latin typeface="Times New Roman" panose="02020603050405020304" pitchFamily="18" charset="0"/>
+                <a:ea typeface="+mn-ea"/>
+                <a:cs typeface="Times New Roman" panose="02020603050405020304" pitchFamily="18" charset="0"/>
+              </a:rPr>
+              <a:t>投影）。</a:t>
+            </a:r>
+            <a:endParaRPr lang="en-US" altLang="zh-CN" dirty="0">
+              <a:solidFill>
+                <a:schemeClr val="bg2"/>
+              </a:solidFill>
+              <a:latin typeface="Times New Roman" panose="02020603050405020304" pitchFamily="18" charset="0"/>
+              <a:ea typeface="+mn-ea"/>
+              <a:cs typeface="Times New Roman" panose="02020603050405020304" pitchFamily="18" charset="0"/>
+            </a:endParaRPr>
+          </a:p>
+          <a:p>
+            <a:pPr algn="just">
+              <a:lnSpc>
+                <a:spcPct val="150000"/>
+              </a:lnSpc>
+            </a:pPr>
+            <a:r>
+              <a:rPr lang="zh-CN" altLang="en-US" dirty="0">
+                <a:solidFill>
+                  <a:schemeClr val="bg2"/>
+                </a:solidFill>
+                <a:latin typeface="Times New Roman" panose="02020603050405020304" pitchFamily="18" charset="0"/>
+                <a:ea typeface="+mn-ea"/>
+                <a:cs typeface="Times New Roman" panose="02020603050405020304" pitchFamily="18" charset="0"/>
+              </a:rPr>
+              <a:t>（</a:t>
+            </a:r>
+            <a:r>
+              <a:rPr lang="en-US" altLang="zh-CN" dirty="0">
+                <a:solidFill>
+                  <a:schemeClr val="bg2"/>
+                </a:solidFill>
+                <a:latin typeface="Times New Roman" panose="02020603050405020304" pitchFamily="18" charset="0"/>
+                <a:ea typeface="+mn-ea"/>
+                <a:cs typeface="Times New Roman" panose="02020603050405020304" pitchFamily="18" charset="0"/>
+              </a:rPr>
+              <a:t>2</a:t>
+            </a:r>
+            <a:r>
+              <a:rPr lang="zh-CN" altLang="en-US" dirty="0">
+                <a:solidFill>
+                  <a:schemeClr val="bg2"/>
+                </a:solidFill>
+                <a:latin typeface="Times New Roman" panose="02020603050405020304" pitchFamily="18" charset="0"/>
+                <a:ea typeface="+mn-ea"/>
+                <a:cs typeface="Times New Roman" panose="02020603050405020304" pitchFamily="18" charset="0"/>
+              </a:rPr>
+              <a:t>）以遥感影像为底图，不进行空间参考转换，对昆明市路网数据进行叠加展示。</a:t>
+            </a:r>
+            <a:endParaRPr lang="en-US" altLang="zh-CN" dirty="0">
+              <a:solidFill>
+                <a:schemeClr val="bg2"/>
+              </a:solidFill>
+              <a:latin typeface="Times New Roman" panose="02020603050405020304" pitchFamily="18" charset="0"/>
+              <a:ea typeface="+mn-ea"/>
+              <a:cs typeface="Times New Roman" panose="02020603050405020304" pitchFamily="18" charset="0"/>
+            </a:endParaRPr>
+          </a:p>
+          <a:p>
+            <a:pPr algn="just">
+              <a:lnSpc>
+                <a:spcPct val="150000"/>
+              </a:lnSpc>
+            </a:pPr>
+            <a:r>
+              <a:rPr lang="zh-CN" altLang="en-US" dirty="0">
+                <a:solidFill>
+                  <a:schemeClr val="bg2"/>
+                </a:solidFill>
+                <a:latin typeface="Times New Roman" panose="02020603050405020304" pitchFamily="18" charset="0"/>
+                <a:ea typeface="+mn-ea"/>
+                <a:cs typeface="Times New Roman" panose="02020603050405020304" pitchFamily="18" charset="0"/>
+              </a:rPr>
+              <a:t>（</a:t>
+            </a:r>
+            <a:r>
+              <a:rPr lang="en-US" altLang="zh-CN" dirty="0">
+                <a:solidFill>
+                  <a:schemeClr val="bg2"/>
+                </a:solidFill>
+                <a:latin typeface="Times New Roman" panose="02020603050405020304" pitchFamily="18" charset="0"/>
+                <a:ea typeface="+mn-ea"/>
+                <a:cs typeface="Times New Roman" panose="02020603050405020304" pitchFamily="18" charset="0"/>
+              </a:rPr>
+              <a:t>3</a:t>
+            </a:r>
+            <a:r>
+              <a:rPr lang="zh-CN" altLang="en-US" dirty="0">
+                <a:solidFill>
+                  <a:schemeClr val="bg2"/>
+                </a:solidFill>
+                <a:latin typeface="Times New Roman" panose="02020603050405020304" pitchFamily="18" charset="0"/>
+                <a:ea typeface="+mn-ea"/>
+                <a:cs typeface="Times New Roman" panose="02020603050405020304" pitchFamily="18" charset="0"/>
+              </a:rPr>
+              <a:t>）采用开源库</a:t>
+            </a:r>
+            <a:r>
+              <a:rPr lang="en-US" altLang="zh-CN" dirty="0" err="1">
+                <a:solidFill>
+                  <a:schemeClr val="bg2"/>
+                </a:solidFill>
+                <a:latin typeface="Times New Roman" panose="02020603050405020304" pitchFamily="18" charset="0"/>
+                <a:ea typeface="+mn-ea"/>
+                <a:cs typeface="Times New Roman" panose="02020603050405020304" pitchFamily="18" charset="0"/>
+              </a:rPr>
+              <a:t>rasterio</a:t>
+            </a:r>
+            <a:r>
+              <a:rPr lang="en-US" altLang="zh-CN" dirty="0">
+                <a:solidFill>
+                  <a:schemeClr val="bg2"/>
+                </a:solidFill>
+                <a:latin typeface="Times New Roman" panose="02020603050405020304" pitchFamily="18" charset="0"/>
+                <a:ea typeface="+mn-ea"/>
+                <a:cs typeface="Times New Roman" panose="02020603050405020304" pitchFamily="18" charset="0"/>
+              </a:rPr>
+              <a:t>,</a:t>
+            </a:r>
+            <a:r>
+              <a:rPr lang="zh-CN" altLang="en-US" dirty="0">
+                <a:solidFill>
+                  <a:schemeClr val="bg2"/>
+                </a:solidFill>
+                <a:latin typeface="Times New Roman" panose="02020603050405020304" pitchFamily="18" charset="0"/>
+                <a:ea typeface="+mn-ea"/>
+                <a:cs typeface="Times New Roman" panose="02020603050405020304" pitchFamily="18" charset="0"/>
+              </a:rPr>
+              <a:t> </a:t>
+            </a:r>
+            <a:r>
+              <a:rPr lang="en-US" altLang="zh-CN" dirty="0" err="1">
+                <a:solidFill>
+                  <a:schemeClr val="bg2"/>
+                </a:solidFill>
+                <a:latin typeface="Times New Roman" panose="02020603050405020304" pitchFamily="18" charset="0"/>
+                <a:ea typeface="+mn-ea"/>
+                <a:cs typeface="Times New Roman" panose="02020603050405020304" pitchFamily="18" charset="0"/>
+              </a:rPr>
+              <a:t>geopandas</a:t>
+            </a:r>
+            <a:r>
+              <a:rPr lang="en-US" altLang="zh-CN" dirty="0">
+                <a:solidFill>
+                  <a:schemeClr val="bg2"/>
+                </a:solidFill>
+                <a:latin typeface="Times New Roman" panose="02020603050405020304" pitchFamily="18" charset="0"/>
+                <a:ea typeface="+mn-ea"/>
+                <a:cs typeface="Times New Roman" panose="02020603050405020304" pitchFamily="18" charset="0"/>
+              </a:rPr>
+              <a:t>, </a:t>
+            </a:r>
+            <a:r>
+              <a:rPr lang="en-US" altLang="zh-CN" dirty="0" err="1">
+                <a:solidFill>
+                  <a:schemeClr val="bg2"/>
+                </a:solidFill>
+                <a:latin typeface="Times New Roman" panose="02020603050405020304" pitchFamily="18" charset="0"/>
+                <a:ea typeface="+mn-ea"/>
+                <a:cs typeface="Times New Roman" panose="02020603050405020304" pitchFamily="18" charset="0"/>
+              </a:rPr>
+              <a:t>cartopy</a:t>
+            </a:r>
+            <a:r>
+              <a:rPr lang="zh-CN" altLang="en-US" dirty="0">
+                <a:solidFill>
+                  <a:schemeClr val="bg2"/>
+                </a:solidFill>
+                <a:latin typeface="Times New Roman" panose="02020603050405020304" pitchFamily="18" charset="0"/>
+                <a:ea typeface="+mn-ea"/>
+                <a:cs typeface="Times New Roman" panose="02020603050405020304" pitchFamily="18" charset="0"/>
+              </a:rPr>
+              <a:t>等实现，结果及核心代码发课程群。</a:t>
+            </a:r>
+            <a:endParaRPr lang="en-US" altLang="zh-CN" dirty="0">
+              <a:solidFill>
+                <a:schemeClr val="bg2"/>
+              </a:solidFill>
+              <a:latin typeface="Times New Roman" panose="02020603050405020304" pitchFamily="18" charset="0"/>
+              <a:ea typeface="+mn-ea"/>
+              <a:cs typeface="Times New Roman" panose="02020603050405020304" pitchFamily="18" charset="0"/>
+            </a:endParaRPr>
+          </a:p>
+        </p:txBody>
+      </p:sp>
+      <p:sp>
+        <p:nvSpPr>
+          <p:cNvPr id="4" name="标题 2">
+            <a:extLst>
+              <a:ext uri="{FF2B5EF4-FFF2-40B4-BE49-F238E27FC236}">
+                <a16:creationId xmlns:a16="http://schemas.microsoft.com/office/drawing/2014/main" id="{2B817180-80DE-A69E-80F3-F4C41F50181C}"/>
+              </a:ext>
+            </a:extLst>
+          </p:cNvPr>
+          <p:cNvSpPr>
+            <a:spLocks noGrp="1"/>
+          </p:cNvSpPr>
+          <p:nvPr>
+            <p:ph type="title"/>
+          </p:nvPr>
+        </p:nvSpPr>
+        <p:spPr>
+          <a:xfrm>
+            <a:off x="0" y="7938"/>
+            <a:ext cx="10699750" cy="792162"/>
+          </a:xfrm>
+        </p:spPr>
+        <p:txBody>
+          <a:bodyPr/>
+          <a:lstStyle/>
+          <a:p>
+            <a:r>
+              <a:rPr lang="zh-CN" altLang="en-US" dirty="0">
+                <a:latin typeface="微软雅黑" pitchFamily="34" charset="-122"/>
+                <a:ea typeface="微软雅黑" pitchFamily="34" charset="-122"/>
+              </a:rPr>
+              <a:t>三、地理数据可视化</a:t>
+            </a:r>
+          </a:p>
+        </p:txBody>
+      </p:sp>
+    </p:spTree>
+    <p:extLst>
+      <p:ext uri="{BB962C8B-B14F-4D97-AF65-F5344CB8AC3E}">
+        <p14:creationId xmlns:p14="http://schemas.microsoft.com/office/powerpoint/2010/main" val="2859718643"/>
+      </p:ext>
+    </p:extLst>
+  </p:cSld>
+  <p:clrMapOvr>
+    <a:masterClrMapping/>
+  </p:clrMapOvr>
+  <p:transition>
+    <p:fade/>
+  </p:transition>
+</p:sld>
+</file>
+
+<file path=ppt/slides/slide34.xml><?xml version="1.0" encoding="utf-8"?>
+<p:sld xmlns:a="http://schemas.openxmlformats.org/drawingml/2006/main" xmlns:r="http://schemas.openxmlformats.org/officeDocument/2006/relationships" xmlns:p="http://schemas.openxmlformats.org/presentationml/2006/main">
+  <p:cSld>
+    <p:spTree>
+      <p:nvGrpSpPr>
+        <p:cNvPr id="1" name="">
+          <a:extLst>
+            <a:ext uri="{FF2B5EF4-FFF2-40B4-BE49-F238E27FC236}">
               <a16:creationId xmlns:a16="http://schemas.microsoft.com/office/drawing/2014/main" id="{36DD5791-00B9-EAF3-57E8-63700416B8C8}"/>
             </a:ext>
           </a:extLst>
@@ -41467,7 +42124,7 @@
         </p:nvSpPr>
         <p:spPr>
           <a:xfrm>
-            <a:off x="665480" y="957905"/>
+            <a:off x="665480" y="889155"/>
             <a:ext cx="9784080" cy="743986"/>
           </a:xfrm>
           <a:prstGeom prst="rect">
@@ -41504,7 +42161,7 @@
                 <a:latin typeface="+mn-ea"/>
                 <a:ea typeface="+mn-ea"/>
               </a:rPr>
-              <a:t>3-</a:t>
+              <a:t>4-</a:t>
             </a:r>
             <a:r>
               <a:rPr lang="zh-CN" altLang="en-US" sz="3200" b="1" dirty="0">
@@ -41540,7 +42197,7 @@
         </p:nvSpPr>
         <p:spPr>
           <a:xfrm>
-            <a:off x="665480" y="1701891"/>
+            <a:off x="665480" y="1617668"/>
             <a:ext cx="10134600" cy="4489627"/>
           </a:xfrm>
           <a:prstGeom prst="rect">
@@ -41886,6 +42543,47 @@
                 <a:ea typeface="微软雅黑" pitchFamily="34" charset="-122"/>
               </a:rPr>
               <a:t>三、地理数据可视化</a:t>
+            </a:r>
+          </a:p>
+        </p:txBody>
+      </p:sp>
+      <p:sp>
+        <p:nvSpPr>
+          <p:cNvPr id="3" name="文本框 2">
+            <a:extLst>
+              <a:ext uri="{FF2B5EF4-FFF2-40B4-BE49-F238E27FC236}">
+                <a16:creationId xmlns:a16="http://schemas.microsoft.com/office/drawing/2014/main" id="{05D977D8-CE03-48F1-AF70-A7F5B37A4466}"/>
+              </a:ext>
+            </a:extLst>
+          </p:cNvPr>
+          <p:cNvSpPr txBox="1"/>
+          <p:nvPr/>
+        </p:nvSpPr>
+        <p:spPr>
+          <a:xfrm>
+            <a:off x="665480" y="6260271"/>
+            <a:ext cx="11091090" cy="400110"/>
+          </a:xfrm>
+          <a:prstGeom prst="rect">
+            <a:avLst/>
+          </a:prstGeom>
+          <a:noFill/>
+        </p:spPr>
+        <p:txBody>
+          <a:bodyPr wrap="square">
+            <a:spAutoFit/>
+          </a:bodyPr>
+          <a:lstStyle/>
+          <a:p>
+            <a:r>
+              <a:rPr lang="zh-CN" altLang="en-US" sz="2000" dirty="0">
+                <a:solidFill>
+                  <a:schemeClr val="bg1"/>
+                </a:solidFill>
+                <a:latin typeface="+mn-ea"/>
+                <a:ea typeface="+mn-ea"/>
+              </a:rPr>
+              <a:t>数据获取途径：https://www.hydrosheds.org/products/hydrolakes</a:t>
             </a:r>
           </a:p>
         </p:txBody>
@@ -42186,27 +42884,7 @@
                 <a:latin typeface="+mn-ea"/>
                 <a:ea typeface="+mn-ea"/>
               </a:rPr>
-              <a:t>在计算机图形学与</a:t>
-            </a:r>
-            <a:r>
-              <a:rPr lang="en-US" altLang="zh-CN" sz="2200" b="1" dirty="0" err="1">
-                <a:solidFill>
-                  <a:schemeClr val="bg2"/>
-                </a:solidFill>
-                <a:latin typeface="+mn-ea"/>
-                <a:ea typeface="+mn-ea"/>
-              </a:rPr>
-              <a:t>gis</a:t>
-            </a:r>
-            <a:r>
-              <a:rPr lang="zh-CN" altLang="en-US" sz="2200" b="1" dirty="0">
-                <a:solidFill>
-                  <a:schemeClr val="bg2"/>
-                </a:solidFill>
-                <a:latin typeface="+mn-ea"/>
-                <a:ea typeface="+mn-ea"/>
-              </a:rPr>
-              <a:t>应用中：</a:t>
+              <a:t>几何类型：</a:t>
             </a:r>
             <a:endParaRPr lang="en-US" altLang="zh-CN" sz="2200" b="1" dirty="0">
               <a:solidFill>
@@ -42798,6 +43476,16 @@
                 </a:solidFill>
                 <a:latin typeface="+mn-ea"/>
                 <a:ea typeface="+mn-ea"/>
+              </a:rPr>
+              <a:t>P</a:t>
+            </a:r>
+            <a:r>
+              <a:rPr lang="en-US" altLang="zh-CN" b="1" dirty="0">
+                <a:solidFill>
+                  <a:srgbClr val="333333"/>
+                </a:solidFill>
+                <a:latin typeface="+mn-ea"/>
+                <a:ea typeface="+mn-ea"/>
                 <a:hlinkClick r:id="rId3">
                   <a:extLst>
                     <a:ext uri="{A12FA001-AC4F-418D-AE19-62706E023703}">
@@ -42806,7 +43494,7 @@
                   </a:extLst>
                 </a:hlinkClick>
               </a:rPr>
-              <a:t>pandas</a:t>
+              <a:t>andas</a:t>
             </a:r>
             <a:r>
               <a:rPr lang="zh-CN" altLang="en-US" dirty="0">
@@ -42976,8 +43664,8 @@
         </p:nvSpPr>
         <p:spPr>
           <a:xfrm>
-            <a:off x="1899920" y="5860470"/>
-            <a:ext cx="8676640" cy="581057"/>
+            <a:off x="1521823" y="5860470"/>
+            <a:ext cx="9241971" cy="662554"/>
           </a:xfrm>
           <a:prstGeom prst="rect">
             <a:avLst/>
@@ -42996,7 +43684,7 @@
               </a:lnSpc>
             </a:pPr>
             <a:r>
-              <a:rPr lang="zh-CN" altLang="en-US" dirty="0">
+              <a:rPr lang="zh-CN" altLang="en-US" sz="2800" dirty="0">
                 <a:solidFill>
                   <a:srgbClr val="333333"/>
                 </a:solidFill>
@@ -43006,7 +43694,7 @@
               <a:t>官方网站：</a:t>
             </a:r>
             <a:r>
-              <a:rPr lang="en-US" altLang="zh-CN" sz="2000" dirty="0">
+              <a:rPr lang="en-US" altLang="zh-CN" dirty="0">
                 <a:solidFill>
                   <a:schemeClr val="bg1"/>
                 </a:solidFill>
@@ -43015,7 +43703,7 @@
               </a:rPr>
               <a:t>https://geopandas.org/en/stable/index.html</a:t>
             </a:r>
-            <a:endParaRPr lang="en-US" altLang="zh-CN" dirty="0">
+            <a:endParaRPr lang="en-US" altLang="zh-CN" sz="2800" dirty="0">
               <a:solidFill>
                 <a:schemeClr val="bg1"/>
               </a:solidFill>
@@ -43109,8 +43797,8 @@
         </p:blipFill>
         <p:spPr>
           <a:xfrm>
-            <a:off x="6713854" y="2354341"/>
-            <a:ext cx="5109063" cy="2969500"/>
+            <a:off x="6766102" y="2237258"/>
+            <a:ext cx="5310505" cy="3086583"/>
           </a:xfrm>
           <a:prstGeom prst="rect">
             <a:avLst/>
@@ -43288,7 +43976,7 @@
         </p:nvSpPr>
         <p:spPr>
           <a:xfrm>
-            <a:off x="208280" y="2593729"/>
+            <a:off x="208280" y="2659044"/>
             <a:ext cx="11240586" cy="3746218"/>
           </a:xfrm>
           <a:prstGeom prst="rect">
@@ -43822,8 +44510,8 @@
         </p:nvSpPr>
         <p:spPr>
           <a:xfrm>
-            <a:off x="441960" y="939511"/>
-            <a:ext cx="6405206" cy="5567037"/>
+            <a:off x="300446" y="939511"/>
+            <a:ext cx="7674428" cy="5469254"/>
           </a:xfrm>
           <a:prstGeom prst="rect">
             <a:avLst/>
@@ -43836,9 +44524,13 @@
           </a:bodyPr>
           <a:lstStyle/>
           <a:p>
-            <a:pPr algn="just"/>
-            <a:r>
-              <a:rPr lang="zh-CN" altLang="en-US" b="1" dirty="0">
+            <a:pPr algn="just">
+              <a:lnSpc>
+                <a:spcPct val="150000"/>
+              </a:lnSpc>
+            </a:pPr>
+            <a:r>
+              <a:rPr lang="zh-CN" altLang="en-US" sz="2800" b="1" dirty="0">
                 <a:solidFill>
                   <a:srgbClr val="333333"/>
                 </a:solidFill>
@@ -43847,7 +44539,7 @@
               </a:rPr>
               <a:t>矢量数据读写与显示</a:t>
             </a:r>
-            <a:endParaRPr lang="en-US" altLang="zh-CN" b="1" dirty="0">
+            <a:endParaRPr lang="en-US" altLang="zh-CN" sz="2800" b="1" dirty="0">
               <a:solidFill>
                 <a:srgbClr val="333333"/>
               </a:solidFill>
@@ -43862,7 +44554,7 @@
               </a:lnSpc>
             </a:pPr>
             <a:r>
-              <a:rPr lang="en-US" b="1" dirty="0">
+              <a:rPr lang="en-US" sz="2600" b="1" dirty="0">
                 <a:solidFill>
                   <a:srgbClr val="333333"/>
                 </a:solidFill>
@@ -43872,7 +44564,7 @@
               <a:t>1. </a:t>
             </a:r>
             <a:r>
-              <a:rPr lang="en-US" b="1" dirty="0" err="1">
+              <a:rPr lang="en-US" sz="2600" b="1" dirty="0" err="1">
                 <a:solidFill>
                   <a:srgbClr val="333333"/>
                 </a:solidFill>
@@ -43882,7 +44574,7 @@
               <a:t>数据读入</a:t>
             </a:r>
             <a:r>
-              <a:rPr lang="zh-CN" altLang="en-US" b="1" dirty="0">
+              <a:rPr lang="zh-CN" altLang="en-US" sz="2600" b="1" dirty="0">
                 <a:solidFill>
                   <a:srgbClr val="333333"/>
                 </a:solidFill>
@@ -43892,7 +44584,7 @@
               <a:t>：</a:t>
             </a:r>
             <a:r>
-              <a:rPr lang="en-CN" dirty="0">
+              <a:rPr lang="en-CN" sz="2600" dirty="0">
                 <a:solidFill>
                   <a:srgbClr val="333333"/>
                 </a:solidFill>
@@ -43909,7 +44601,7 @@
               </a:lnSpc>
             </a:pPr>
             <a:r>
-              <a:rPr lang="en-US" altLang="zh-CN" b="1" dirty="0">
+              <a:rPr lang="en-US" altLang="zh-CN" sz="2600" b="1" dirty="0">
                 <a:solidFill>
                   <a:srgbClr val="333333"/>
                 </a:solidFill>
@@ -43919,7 +44611,7 @@
               <a:t>2. </a:t>
             </a:r>
             <a:r>
-              <a:rPr lang="en-US" altLang="zh-CN" b="1" dirty="0" err="1">
+              <a:rPr lang="en-US" altLang="zh-CN" sz="2600" b="1" dirty="0" err="1">
                 <a:solidFill>
                   <a:srgbClr val="333333"/>
                 </a:solidFill>
@@ -43929,7 +44621,7 @@
               <a:t>数据可视化</a:t>
             </a:r>
             <a:r>
-              <a:rPr lang="zh-CN" altLang="en-US" b="1" dirty="0">
+              <a:rPr lang="zh-CN" altLang="en-US" sz="2600" b="1" dirty="0">
                 <a:solidFill>
                   <a:srgbClr val="333333"/>
                 </a:solidFill>
@@ -43939,7 +44631,7 @@
               <a:t>：</a:t>
             </a:r>
             <a:r>
-              <a:rPr lang="en-US" altLang="zh-CN" dirty="0">
+              <a:rPr lang="en-US" altLang="zh-CN" sz="2600" dirty="0">
                 <a:solidFill>
                   <a:srgbClr val="333333"/>
                 </a:solidFill>
@@ -43947,7 +44639,7 @@
               </a:rPr>
               <a:t>.plot()</a:t>
             </a:r>
-            <a:endParaRPr lang="en-US" b="1" dirty="0">
+            <a:endParaRPr lang="en-US" sz="2600" b="1" dirty="0">
               <a:solidFill>
                 <a:srgbClr val="333333"/>
               </a:solidFill>
@@ -43962,7 +44654,7 @@
               </a:lnSpc>
             </a:pPr>
             <a:r>
-              <a:rPr lang="en-US" b="1" dirty="0">
+              <a:rPr lang="en-US" sz="2600" b="1" dirty="0">
                 <a:solidFill>
                   <a:srgbClr val="333333"/>
                 </a:solidFill>
@@ -43972,7 +44664,7 @@
               <a:t>3. </a:t>
             </a:r>
             <a:r>
-              <a:rPr lang="en-CN" b="1" dirty="0">
+              <a:rPr lang="en-CN" sz="2600" b="1" dirty="0">
                 <a:solidFill>
                   <a:srgbClr val="333333"/>
                 </a:solidFill>
@@ -43982,7 +44674,7 @@
               <a:t>数据查看</a:t>
             </a:r>
             <a:r>
-              <a:rPr lang="zh-CN" altLang="en-US" b="1" dirty="0">
+              <a:rPr lang="zh-CN" altLang="en-US" sz="2600" b="1" dirty="0">
                 <a:solidFill>
                   <a:srgbClr val="333333"/>
                 </a:solidFill>
@@ -43992,7 +44684,7 @@
               <a:t>：</a:t>
             </a:r>
             <a:r>
-              <a:rPr lang="en-US" altLang="zh-CN" dirty="0">
+              <a:rPr lang="en-US" altLang="zh-CN" sz="2600" dirty="0">
                 <a:solidFill>
                   <a:srgbClr val="333333"/>
                 </a:solidFill>
@@ -44001,7 +44693,7 @@
               </a:rPr>
               <a:t>.head()</a:t>
             </a:r>
-            <a:endParaRPr lang="en-CN" dirty="0">
+            <a:endParaRPr lang="en-CN" sz="2600" dirty="0">
               <a:solidFill>
                 <a:srgbClr val="333333"/>
               </a:solidFill>
@@ -44016,7 +44708,7 @@
               </a:lnSpc>
             </a:pPr>
             <a:r>
-              <a:rPr lang="en-US" b="1" dirty="0">
+              <a:rPr lang="en-US" sz="2600" b="1" dirty="0">
                 <a:solidFill>
                   <a:srgbClr val="333333"/>
                 </a:solidFill>
@@ -44026,7 +44718,7 @@
               <a:t>4. </a:t>
             </a:r>
             <a:r>
-              <a:rPr lang="en-US" b="1" dirty="0" err="1">
+              <a:rPr lang="en-US" sz="2600" b="1" dirty="0" err="1">
                 <a:solidFill>
                   <a:srgbClr val="333333"/>
                 </a:solidFill>
@@ -44036,7 +44728,7 @@
               <a:t>坐标系统查看</a:t>
             </a:r>
             <a:r>
-              <a:rPr lang="zh-CN" altLang="en-US" b="1" dirty="0">
+              <a:rPr lang="zh-CN" altLang="en-US" sz="2600" b="1" dirty="0">
                 <a:solidFill>
                   <a:srgbClr val="333333"/>
                 </a:solidFill>
@@ -44046,7 +44738,7 @@
               <a:t>：</a:t>
             </a:r>
             <a:r>
-              <a:rPr lang="en-US" altLang="zh-CN" dirty="0">
+              <a:rPr lang="en-US" altLang="zh-CN" sz="2600" dirty="0">
                 <a:solidFill>
                   <a:srgbClr val="333333"/>
                 </a:solidFill>
@@ -44056,7 +44748,7 @@
               <a:t>.</a:t>
             </a:r>
             <a:r>
-              <a:rPr lang="en-US" altLang="zh-CN" dirty="0" err="1">
+              <a:rPr lang="en-US" altLang="zh-CN" sz="2600" dirty="0" err="1">
                 <a:solidFill>
                   <a:srgbClr val="333333"/>
                 </a:solidFill>
@@ -44065,7 +44757,7 @@
               </a:rPr>
               <a:t>crs</a:t>
             </a:r>
-            <a:endParaRPr lang="en-US" dirty="0">
+            <a:endParaRPr lang="en-US" sz="2600" dirty="0">
               <a:solidFill>
                 <a:srgbClr val="333333"/>
               </a:solidFill>
@@ -44080,7 +44772,7 @@
               </a:lnSpc>
             </a:pPr>
             <a:r>
-              <a:rPr lang="en-US" b="1" dirty="0">
+              <a:rPr lang="en-US" sz="2600" b="1" dirty="0">
                 <a:solidFill>
                   <a:srgbClr val="333333"/>
                 </a:solidFill>
@@ -44090,7 +44782,7 @@
               <a:t>5. </a:t>
             </a:r>
             <a:r>
-              <a:rPr lang="en-US" b="1" dirty="0" err="1">
+              <a:rPr lang="en-US" sz="2600" b="1" dirty="0" err="1">
                 <a:solidFill>
                   <a:srgbClr val="333333"/>
                 </a:solidFill>
@@ -44100,7 +44792,7 @@
               <a:t>矢量范围查看</a:t>
             </a:r>
             <a:r>
-              <a:rPr lang="zh-CN" altLang="en-US" b="1" dirty="0">
+              <a:rPr lang="zh-CN" altLang="en-US" sz="2600" b="1" dirty="0">
                 <a:solidFill>
                   <a:srgbClr val="333333"/>
                 </a:solidFill>
@@ -44110,7 +44802,7 @@
               <a:t>：</a:t>
             </a:r>
             <a:r>
-              <a:rPr lang="en-US" altLang="zh-CN" dirty="0">
+              <a:rPr lang="en-US" altLang="zh-CN" sz="2600" dirty="0">
                 <a:solidFill>
                   <a:srgbClr val="333333"/>
                 </a:solidFill>
@@ -44120,7 +44812,7 @@
               <a:t>.bounds, .</a:t>
             </a:r>
             <a:r>
-              <a:rPr lang="en-US" altLang="zh-CN" dirty="0" err="1">
+              <a:rPr lang="en-US" altLang="zh-CN" sz="2600" dirty="0" err="1">
                 <a:solidFill>
                   <a:srgbClr val="333333"/>
                 </a:solidFill>
@@ -44129,7 +44821,7 @@
               </a:rPr>
               <a:t>total_bounds</a:t>
             </a:r>
-            <a:endParaRPr lang="en-US" dirty="0">
+            <a:endParaRPr lang="en-US" sz="2600" dirty="0">
               <a:solidFill>
                 <a:srgbClr val="333333"/>
               </a:solidFill>
@@ -44144,7 +44836,7 @@
               </a:lnSpc>
             </a:pPr>
             <a:r>
-              <a:rPr lang="en-US" b="1" dirty="0">
+              <a:rPr lang="en-US" sz="2600" b="1" dirty="0">
                 <a:solidFill>
                   <a:srgbClr val="333333"/>
                 </a:solidFill>
@@ -44154,7 +44846,7 @@
               <a:t>6. </a:t>
             </a:r>
             <a:r>
-              <a:rPr lang="en-US" b="1" dirty="0" err="1">
+              <a:rPr lang="en-US" sz="2600" b="1" dirty="0" err="1">
                 <a:solidFill>
                   <a:srgbClr val="333333"/>
                 </a:solidFill>
@@ -44164,7 +44856,7 @@
               <a:t>矢量数据写出</a:t>
             </a:r>
             <a:r>
-              <a:rPr lang="zh-CN" altLang="en-US" b="1" dirty="0">
+              <a:rPr lang="zh-CN" altLang="en-US" sz="2600" b="1" dirty="0">
                 <a:solidFill>
                   <a:srgbClr val="333333"/>
                 </a:solidFill>
@@ -44174,7 +44866,7 @@
               <a:t>：</a:t>
             </a:r>
             <a:r>
-              <a:rPr lang="en-US" dirty="0">
+              <a:rPr lang="en-US" sz="2600" dirty="0">
                 <a:solidFill>
                   <a:srgbClr val="333333"/>
                 </a:solidFill>
@@ -44184,7 +44876,7 @@
               <a:t>.</a:t>
             </a:r>
             <a:r>
-              <a:rPr lang="en-US" dirty="0" err="1">
+              <a:rPr lang="en-US" sz="2600" dirty="0" err="1">
                 <a:solidFill>
                   <a:srgbClr val="333333"/>
                 </a:solidFill>
@@ -44194,31 +44886,14 @@
               <a:t>to_file</a:t>
             </a:r>
             <a:r>
-              <a:rPr lang="en-US" dirty="0">
+              <a:rPr lang="en-US" sz="2600" dirty="0">
                 <a:solidFill>
                   <a:srgbClr val="333333"/>
                 </a:solidFill>
                 <a:latin typeface="+mn-ea"/>
                 <a:ea typeface="+mn-ea"/>
               </a:rPr>
-              <a:t>()</a:t>
-            </a:r>
-          </a:p>
-          <a:p>
-            <a:pPr algn="just">
-              <a:lnSpc>
-                <a:spcPct val="150000"/>
-              </a:lnSpc>
-            </a:pPr>
-            <a:r>
-              <a:rPr lang="en-US" dirty="0">
-                <a:solidFill>
-                  <a:srgbClr val="333333"/>
-                </a:solidFill>
-                <a:latin typeface="+mn-ea"/>
-                <a:ea typeface="+mn-ea"/>
-              </a:rPr>
-              <a:t>… </a:t>
+              <a:t>() … </a:t>
             </a:r>
           </a:p>
         </p:txBody>
@@ -44245,8 +44920,8 @@
         </p:blipFill>
         <p:spPr>
           <a:xfrm>
-            <a:off x="4676504" y="2136350"/>
-            <a:ext cx="7073536" cy="2095290"/>
+            <a:off x="4202026" y="2031846"/>
+            <a:ext cx="7561077" cy="2239707"/>
           </a:xfrm>
           <a:prstGeom prst="rect">
             <a:avLst/>
@@ -44386,8 +45061,8 @@
         </p:nvSpPr>
         <p:spPr>
           <a:xfrm>
-            <a:off x="411830" y="1749975"/>
-            <a:ext cx="6009290" cy="4412875"/>
+            <a:off x="293914" y="1749975"/>
+            <a:ext cx="5802086" cy="4422814"/>
           </a:xfrm>
           <a:prstGeom prst="rect">
             <a:avLst/>
@@ -44402,13 +45077,13 @@
           <a:p>
             <a:pPr marL="514350" indent="-514350" algn="just">
               <a:lnSpc>
-                <a:spcPct val="200000"/>
+                <a:spcPct val="150000"/>
               </a:lnSpc>
               <a:buFontTx/>
               <a:buAutoNum type="arabicPeriod"/>
             </a:pPr>
             <a:r>
-              <a:rPr lang="zh-CN" altLang="en-US" b="1" dirty="0">
+              <a:rPr lang="zh-CN" altLang="en-US" sz="2600" b="1" dirty="0">
                 <a:solidFill>
                   <a:srgbClr val="333333"/>
                 </a:solidFill>
@@ -44418,7 +45093,7 @@
               <a:t>矢量数据读写</a:t>
             </a:r>
             <a:r>
-              <a:rPr lang="zh-CN" altLang="en-US" dirty="0">
+              <a:rPr lang="zh-CN" altLang="en-US" sz="2600" dirty="0">
                 <a:solidFill>
                   <a:srgbClr val="333333"/>
                 </a:solidFill>
@@ -44428,7 +45103,7 @@
               <a:t>：</a:t>
             </a:r>
             <a:r>
-              <a:rPr lang="en-US" altLang="zh-CN" dirty="0" err="1">
+              <a:rPr lang="en-US" altLang="zh-CN" sz="2600" dirty="0" err="1">
                 <a:solidFill>
                   <a:srgbClr val="333333"/>
                 </a:solidFill>
@@ -44438,7 +45113,7 @@
               <a:t>read_file</a:t>
             </a:r>
             <a:r>
-              <a:rPr lang="en-US" altLang="zh-CN" dirty="0">
+              <a:rPr lang="en-US" altLang="zh-CN" sz="2600" dirty="0">
                 <a:solidFill>
                   <a:srgbClr val="333333"/>
                 </a:solidFill>
@@ -44448,7 +45123,7 @@
               <a:t>(); .</a:t>
             </a:r>
             <a:r>
-              <a:rPr lang="en-US" altLang="zh-CN" dirty="0" err="1">
+              <a:rPr lang="en-US" altLang="zh-CN" sz="2600" dirty="0" err="1">
                 <a:solidFill>
                   <a:srgbClr val="333333"/>
                 </a:solidFill>
@@ -44458,7 +45133,7 @@
               <a:t>to_file</a:t>
             </a:r>
             <a:r>
-              <a:rPr lang="en-US" altLang="zh-CN" dirty="0">
+              <a:rPr lang="en-US" altLang="zh-CN" sz="2600" dirty="0">
                 <a:solidFill>
                   <a:srgbClr val="333333"/>
                 </a:solidFill>
@@ -44468,7 +45143,7 @@
               <a:t>()</a:t>
             </a:r>
             <a:r>
-              <a:rPr lang="zh-CN" altLang="en-US" dirty="0">
+              <a:rPr lang="zh-CN" altLang="en-US" sz="2600" dirty="0">
                 <a:solidFill>
                   <a:srgbClr val="333333"/>
                 </a:solidFill>
@@ -44477,7 +45152,7 @@
               </a:rPr>
               <a:t> </a:t>
             </a:r>
-            <a:endParaRPr lang="en-US" altLang="zh-CN" dirty="0">
+            <a:endParaRPr lang="en-US" altLang="zh-CN" sz="2600" dirty="0">
               <a:solidFill>
                 <a:srgbClr val="333333"/>
               </a:solidFill>
@@ -44488,13 +45163,13 @@
           <a:p>
             <a:pPr marL="514350" indent="-514350" algn="just">
               <a:lnSpc>
-                <a:spcPct val="200000"/>
+                <a:spcPct val="150000"/>
               </a:lnSpc>
               <a:buFontTx/>
               <a:buAutoNum type="arabicPeriod"/>
             </a:pPr>
             <a:r>
-              <a:rPr lang="zh-CN" altLang="en-US" b="1" dirty="0">
+              <a:rPr lang="zh-CN" altLang="en-US" sz="2600" b="1" dirty="0">
                 <a:solidFill>
                   <a:srgbClr val="333333"/>
                 </a:solidFill>
@@ -44504,7 +45179,7 @@
               <a:t>矢量重投影</a:t>
             </a:r>
             <a:r>
-              <a:rPr lang="zh-CN" altLang="en-US" dirty="0">
+              <a:rPr lang="zh-CN" altLang="en-US" sz="2600" dirty="0">
                 <a:solidFill>
                   <a:srgbClr val="333333"/>
                 </a:solidFill>
@@ -44514,7 +45189,7 @@
               <a:t>：</a:t>
             </a:r>
             <a:r>
-              <a:rPr lang="en-US" altLang="zh-CN" dirty="0">
+              <a:rPr lang="en-US" altLang="zh-CN" sz="2600" dirty="0">
                 <a:solidFill>
                   <a:srgbClr val="333333"/>
                 </a:solidFill>
@@ -44524,7 +45199,7 @@
               <a:t> .</a:t>
             </a:r>
             <a:r>
-              <a:rPr lang="en-US" altLang="zh-CN" dirty="0" err="1">
+              <a:rPr lang="en-US" altLang="zh-CN" sz="2600" dirty="0" err="1">
                 <a:solidFill>
                   <a:srgbClr val="333333"/>
                 </a:solidFill>
@@ -44534,7 +45209,7 @@
               <a:t>to_crs</a:t>
             </a:r>
             <a:r>
-              <a:rPr lang="en-US" altLang="zh-CN" dirty="0">
+              <a:rPr lang="en-US" altLang="zh-CN" sz="2600" dirty="0">
                 <a:solidFill>
                   <a:srgbClr val="333333"/>
                 </a:solidFill>
@@ -44547,13 +45222,13 @@
           <a:p>
             <a:pPr marL="514350" indent="-514350" algn="just">
               <a:lnSpc>
-                <a:spcPct val="200000"/>
+                <a:spcPct val="150000"/>
               </a:lnSpc>
               <a:buFontTx/>
               <a:buAutoNum type="arabicPeriod"/>
             </a:pPr>
             <a:r>
-              <a:rPr lang="zh-CN" altLang="en-US" b="1" dirty="0">
+              <a:rPr lang="zh-CN" altLang="en-US" sz="2600" b="1" dirty="0">
                 <a:solidFill>
                   <a:srgbClr val="333333"/>
                 </a:solidFill>
@@ -44563,7 +45238,7 @@
               <a:t>矢量裁剪</a:t>
             </a:r>
             <a:r>
-              <a:rPr lang="en-US" altLang="zh-CN" dirty="0">
+              <a:rPr lang="en-US" altLang="zh-CN" sz="2600" dirty="0">
                 <a:solidFill>
                   <a:srgbClr val="333333"/>
                 </a:solidFill>
@@ -44576,13 +45251,13 @@
           <a:p>
             <a:pPr marL="514350" indent="-514350" algn="just">
               <a:lnSpc>
-                <a:spcPct val="200000"/>
+                <a:spcPct val="150000"/>
               </a:lnSpc>
               <a:buFontTx/>
               <a:buAutoNum type="arabicPeriod"/>
             </a:pPr>
             <a:r>
-              <a:rPr lang="zh-CN" altLang="en-US" b="1" dirty="0">
+              <a:rPr lang="zh-CN" altLang="en-US" sz="2600" b="1" dirty="0">
                 <a:solidFill>
                   <a:srgbClr val="333333"/>
                 </a:solidFill>
@@ -44592,7 +45267,7 @@
               <a:t>矢量合并</a:t>
             </a:r>
             <a:r>
-              <a:rPr lang="en-US" altLang="zh-CN" dirty="0">
+              <a:rPr lang="en-US" altLang="zh-CN" sz="2600" dirty="0">
                 <a:solidFill>
                   <a:srgbClr val="333333"/>
                 </a:solidFill>
@@ -44602,7 +45277,7 @@
               <a:t>:</a:t>
             </a:r>
             <a:r>
-              <a:rPr lang="en-US" altLang="zh-CN" b="1" dirty="0">
+              <a:rPr lang="en-US" altLang="zh-CN" sz="2600" b="1" dirty="0">
                 <a:solidFill>
                   <a:srgbClr val="333333"/>
                 </a:solidFill>
@@ -44612,7 +45287,7 @@
               <a:t> </a:t>
             </a:r>
             <a:r>
-              <a:rPr lang="en-US" altLang="zh-CN" dirty="0">
+              <a:rPr lang="en-US" altLang="zh-CN" sz="2600" dirty="0">
                 <a:solidFill>
                   <a:srgbClr val="333333"/>
                 </a:solidFill>
@@ -44625,13 +45300,13 @@
           <a:p>
             <a:pPr marL="514350" indent="-514350" algn="just">
               <a:lnSpc>
-                <a:spcPct val="200000"/>
+                <a:spcPct val="150000"/>
               </a:lnSpc>
               <a:buFontTx/>
               <a:buAutoNum type="arabicPeriod"/>
             </a:pPr>
             <a:r>
-              <a:rPr lang="zh-CN" altLang="en-US" b="1" dirty="0">
+              <a:rPr lang="zh-CN" altLang="en-US" sz="2600" b="1" dirty="0">
                 <a:solidFill>
                   <a:srgbClr val="333333"/>
                 </a:solidFill>
@@ -44641,7 +45316,7 @@
               <a:t>矢量要素选取</a:t>
             </a:r>
             <a:r>
-              <a:rPr lang="en-US" altLang="zh-CN" dirty="0">
+              <a:rPr lang="en-US" altLang="zh-CN" sz="2600" dirty="0">
                 <a:solidFill>
                   <a:srgbClr val="333333"/>
                 </a:solidFill>
@@ -44651,7 +45326,7 @@
               <a:t>: .loc(); .</a:t>
             </a:r>
             <a:r>
-              <a:rPr lang="en-US" altLang="zh-CN" dirty="0" err="1">
+              <a:rPr lang="en-US" altLang="zh-CN" sz="2600" dirty="0" err="1">
                 <a:solidFill>
                   <a:srgbClr val="333333"/>
                 </a:solidFill>
@@ -44661,7 +45336,7 @@
               <a:t>iloc</a:t>
             </a:r>
             <a:r>
-              <a:rPr lang="en-US" altLang="zh-CN" dirty="0">
+              <a:rPr lang="en-US" altLang="zh-CN" sz="2600" dirty="0">
                 <a:solidFill>
                   <a:srgbClr val="333333"/>
                 </a:solidFill>
@@ -44719,7 +45394,7 @@
         </p:nvGrpSpPr>
         <p:grpSpPr>
           <a:xfrm>
-            <a:off x="5084906" y="2718650"/>
+            <a:off x="5039186" y="2502774"/>
             <a:ext cx="7030894" cy="1767430"/>
             <a:chOff x="4922346" y="2712720"/>
             <a:chExt cx="6958228" cy="1736889"/>
@@ -44812,7 +45487,7 @@
         </p:nvGrpSpPr>
         <p:grpSpPr>
           <a:xfrm>
-            <a:off x="5084907" y="4655051"/>
+            <a:off x="5039187" y="4439175"/>
             <a:ext cx="7030893" cy="1974349"/>
             <a:chOff x="4922347" y="4467091"/>
             <a:chExt cx="6958227" cy="1940233"/>
@@ -45034,7 +45709,7 @@
         <p:spPr>
           <a:xfrm>
             <a:off x="488611" y="1468939"/>
-            <a:ext cx="7690189" cy="4100161"/>
+            <a:ext cx="7767115" cy="4100161"/>
           </a:xfrm>
           <a:prstGeom prst="rect">
             <a:avLst/>
@@ -45346,7 +46021,7 @@
         </p:blipFill>
         <p:spPr>
           <a:xfrm>
-            <a:off x="2545080" y="4971006"/>
+            <a:off x="2571206" y="5029788"/>
             <a:ext cx="9398852" cy="1617754"/>
           </a:xfrm>
           <a:prstGeom prst="rect">

--- a/第6章-GIS数据处理高级开源库-10课时/第6章-GIS数据处理高级开源库.pptx
+++ b/第6章-GIS数据处理高级开源库-10课时/第6章-GIS数据处理高级开源库.pptx
@@ -7139,7 +7139,7 @@
               </a14:hiddenFill>
             </a:ext>
             <a:ext uri="{FAA26D3D-D897-4be2-8F04-BA451C77F1D7}">
-              <ma14:placeholderFlag xmlns="" xmlns:ma14="http://schemas.microsoft.com/office/mac/drawingml/2011/main" val="1"/>
+              <ma14:placeholderFlag xmlns:ma14="http://schemas.microsoft.com/office/mac/drawingml/2011/main" xmlns="" val="1"/>
             </a:ext>
           </a:extLst>
         </p:spPr>
@@ -7527,7 +7527,7 @@
               </a14:hiddenLine>
             </a:ext>
             <a:ext uri="{FAA26D3D-D897-4be2-8F04-BA451C77F1D7}">
-              <ma14:placeholderFlag xmlns="" xmlns:ma14="http://schemas.microsoft.com/office/mac/drawingml/2011/main" val="1"/>
+              <ma14:placeholderFlag xmlns:ma14="http://schemas.microsoft.com/office/mac/drawingml/2011/main" xmlns="" val="1"/>
             </a:ext>
           </a:extLst>
         </p:spPr>
@@ -11958,7 +11958,7 @@
               </a14:hiddenLine>
             </a:ext>
             <a:ext uri="{FAA26D3D-D897-4be2-8F04-BA451C77F1D7}">
-              <ma14:placeholderFlag xmlns="" xmlns:ma14="http://schemas.microsoft.com/office/mac/drawingml/2011/main" val="1"/>
+              <ma14:placeholderFlag xmlns:ma14="http://schemas.microsoft.com/office/mac/drawingml/2011/main" xmlns="" val="1"/>
             </a:ext>
           </a:extLst>
         </p:spPr>
@@ -15654,7 +15654,7 @@
               </a14:hiddenLine>
             </a:ext>
             <a:ext uri="{FAA26D3D-D897-4be2-8F04-BA451C77F1D7}">
-              <ma14:placeholderFlag xmlns="" xmlns:ma14="http://schemas.microsoft.com/office/mac/drawingml/2011/main" val="1"/>
+              <ma14:placeholderFlag xmlns:ma14="http://schemas.microsoft.com/office/mac/drawingml/2011/main" xmlns="" val="1"/>
             </a:ext>
           </a:extLst>
         </p:spPr>
@@ -41074,7 +41074,7 @@
         <p:spPr>
           <a:xfrm>
             <a:off x="665480" y="957905"/>
-            <a:ext cx="10764520" cy="743986"/>
+            <a:ext cx="11019246" cy="743986"/>
           </a:xfrm>
           <a:prstGeom prst="rect">
             <a:avLst/>
@@ -41120,15 +41120,58 @@
                 <a:latin typeface="+mn-ea"/>
                 <a:ea typeface="+mn-ea"/>
               </a:rPr>
-              <a:t>基于光谱指数的呈贡区遥感影像水体提取</a:t>
-            </a:r>
-            <a:endParaRPr lang="en-US" altLang="zh-CN" sz="3200" b="1" dirty="0">
-              <a:solidFill>
-                <a:srgbClr val="333333"/>
-              </a:solidFill>
-              <a:latin typeface="+mn-ea"/>
-              <a:ea typeface="+mn-ea"/>
-            </a:endParaRPr>
+              <a:t>基于</a:t>
+            </a:r>
+            <a:r>
+              <a:rPr lang="en-US" altLang="zh-CN" sz="3200" b="1" dirty="0">
+                <a:solidFill>
+                  <a:srgbClr val="333333"/>
+                </a:solidFill>
+                <a:latin typeface="+mn-ea"/>
+                <a:ea typeface="+mn-ea"/>
+              </a:rPr>
+              <a:t>MNDWI</a:t>
+            </a:r>
+            <a:r>
+              <a:rPr lang="zh-CN" altLang="en-US" sz="3200" b="1" dirty="0">
+                <a:solidFill>
+                  <a:srgbClr val="333333"/>
+                </a:solidFill>
+                <a:latin typeface="+mn-ea"/>
+                <a:ea typeface="+mn-ea"/>
+              </a:rPr>
+              <a:t>的呈贡区水体信息提取</a:t>
+            </a:r>
+            <a:r>
+              <a:rPr lang="en-US" altLang="zh-CN" sz="3200" b="1" dirty="0">
+                <a:solidFill>
+                  <a:srgbClr val="333333"/>
+                </a:solidFill>
+                <a:latin typeface="+mn-ea"/>
+                <a:ea typeface="+mn-ea"/>
+              </a:rPr>
+              <a:t>(4</a:t>
+            </a:r>
+            <a:r>
+              <a:rPr lang="zh-CN" altLang="en-US" sz="3200" b="1" dirty="0">
+                <a:solidFill>
+                  <a:srgbClr val="333333"/>
+                </a:solidFill>
+                <a:latin typeface="+mn-ea"/>
+                <a:ea typeface="+mn-ea"/>
+              </a:rPr>
+              <a:t>实验学时</a:t>
+            </a:r>
+            <a:r>
+              <a:rPr lang="en-US" altLang="zh-CN" sz="3200" b="1" dirty="0">
+                <a:solidFill>
+                  <a:srgbClr val="333333"/>
+                </a:solidFill>
+                <a:latin typeface="+mn-ea"/>
+                <a:ea typeface="+mn-ea"/>
+              </a:rPr>
+              <a:t>)</a:t>
+            </a:r>
           </a:p>
         </p:txBody>
       </p:sp>
@@ -43063,7 +43106,7 @@
               </a14:hiddenLine>
             </a:ext>
             <a:ext uri="{FAA26D3D-D897-4be2-8F04-BA451C77F1D7}">
-              <ma14:placeholderFlag xmlns="" xmlns:ma14="http://schemas.microsoft.com/office/mac/drawingml/2011/main" val="1"/>
+              <ma14:placeholderFlag xmlns:ma14="http://schemas.microsoft.com/office/mac/drawingml/2011/main" xmlns="" val="1"/>
             </a:ext>
           </a:extLst>
         </p:spPr>

--- a/第6章-GIS数据处理高级开源库-10课时/第6章-GIS数据处理高级开源库.pptx
+++ b/第6章-GIS数据处理高级开源库-10课时/第6章-GIS数据处理高级开源库.pptx
@@ -45,7 +45,7 @@
     <p:sldId id="2808" r:id="rId33"/>
     <p:sldId id="2809" r:id="rId34"/>
     <p:sldId id="2811" r:id="rId35"/>
-    <p:sldId id="2810" r:id="rId36"/>
+    <p:sldId id="2812" r:id="rId36"/>
   </p:sldIdLst>
   <p:sldSz cx="12192000" cy="6858000"/>
   <p:notesSz cx="7099300" cy="10234613"/>
@@ -7139,7 +7139,7 @@
               </a14:hiddenFill>
             </a:ext>
             <a:ext uri="{FAA26D3D-D897-4be2-8F04-BA451C77F1D7}">
-              <ma14:placeholderFlag xmlns:ma14="http://schemas.microsoft.com/office/mac/drawingml/2011/main" xmlns="" val="1"/>
+              <ma14:placeholderFlag xmlns="" xmlns:ma14="http://schemas.microsoft.com/office/mac/drawingml/2011/main" val="1"/>
             </a:ext>
           </a:extLst>
         </p:spPr>
@@ -7527,7 +7527,7 @@
               </a14:hiddenLine>
             </a:ext>
             <a:ext uri="{FAA26D3D-D897-4be2-8F04-BA451C77F1D7}">
-              <ma14:placeholderFlag xmlns:ma14="http://schemas.microsoft.com/office/mac/drawingml/2011/main" xmlns="" val="1"/>
+              <ma14:placeholderFlag xmlns="" xmlns:ma14="http://schemas.microsoft.com/office/mac/drawingml/2011/main" val="1"/>
             </a:ext>
           </a:extLst>
         </p:spPr>
@@ -9674,7 +9674,7 @@
     </p:spTree>
     <p:extLst>
       <p:ext uri="{BB962C8B-B14F-4D97-AF65-F5344CB8AC3E}">
-        <p14:creationId xmlns:p14="http://schemas.microsoft.com/office/powerpoint/2010/main" val="2582396251"/>
+        <p14:creationId xmlns:p14="http://schemas.microsoft.com/office/powerpoint/2010/main" val="761773958"/>
       </p:ext>
     </p:extLst>
   </p:cSld>
@@ -11958,7 +11958,7 @@
               </a14:hiddenLine>
             </a:ext>
             <a:ext uri="{FAA26D3D-D897-4be2-8F04-BA451C77F1D7}">
-              <ma14:placeholderFlag xmlns:ma14="http://schemas.microsoft.com/office/mac/drawingml/2011/main" xmlns="" val="1"/>
+              <ma14:placeholderFlag xmlns="" xmlns:ma14="http://schemas.microsoft.com/office/mac/drawingml/2011/main" val="1"/>
             </a:ext>
           </a:extLst>
         </p:spPr>
@@ -15654,7 +15654,7 @@
               </a14:hiddenLine>
             </a:ext>
             <a:ext uri="{FAA26D3D-D897-4be2-8F04-BA451C77F1D7}">
-              <ma14:placeholderFlag xmlns:ma14="http://schemas.microsoft.com/office/mac/drawingml/2011/main" xmlns="" val="1"/>
+              <ma14:placeholderFlag xmlns="" xmlns:ma14="http://schemas.microsoft.com/office/mac/drawingml/2011/main" val="1"/>
             </a:ext>
           </a:extLst>
         </p:spPr>
@@ -42168,7 +42168,7 @@
         <p:spPr>
           <a:xfrm>
             <a:off x="665480" y="889155"/>
-            <a:ext cx="9784080" cy="743986"/>
+            <a:ext cx="10970050" cy="784702"/>
           </a:xfrm>
           <a:prstGeom prst="rect">
             <a:avLst/>
@@ -42181,25 +42181,25 @@
           </a:bodyPr>
           <a:lstStyle/>
           <a:p>
-            <a:pPr algn="just">
+            <a:pPr>
               <a:lnSpc>
                 <a:spcPct val="150000"/>
               </a:lnSpc>
             </a:pPr>
             <a:r>
-              <a:rPr lang="zh-CN" altLang="en-US" sz="3200" b="1" dirty="0">
-                <a:solidFill>
-                  <a:srgbClr val="333333"/>
-                </a:solidFill>
-                <a:latin typeface="+mn-ea"/>
-                <a:ea typeface="+mn-ea"/>
-              </a:rPr>
-              <a:t>章节实验</a:t>
-            </a:r>
-            <a:r>
-              <a:rPr lang="en-US" altLang="zh-CN" sz="3200" b="1" dirty="0">
-                <a:solidFill>
-                  <a:srgbClr val="333333"/>
+              <a:rPr lang="zh-CN" altLang="en-US" sz="3400" b="1" dirty="0">
+                <a:solidFill>
+                  <a:srgbClr val="FF0000"/>
+                </a:solidFill>
+                <a:latin typeface="+mn-ea"/>
+                <a:ea typeface="+mn-ea"/>
+              </a:rPr>
+              <a:t>选做作业</a:t>
+            </a:r>
+            <a:r>
+              <a:rPr lang="en-US" altLang="zh-CN" sz="3400" b="1" dirty="0">
+                <a:solidFill>
+                  <a:srgbClr val="FF0000"/>
                 </a:solidFill>
                 <a:latin typeface="+mn-ea"/>
                 <a:ea typeface="+mn-ea"/>
@@ -42207,349 +42207,21 @@
               <a:t>4-</a:t>
             </a:r>
             <a:r>
-              <a:rPr lang="zh-CN" altLang="en-US" sz="3200" b="1" dirty="0">
-                <a:solidFill>
-                  <a:srgbClr val="333333"/>
-                </a:solidFill>
-                <a:latin typeface="+mn-ea"/>
-                <a:ea typeface="+mn-ea"/>
-              </a:rPr>
-              <a:t>云南省湖泊与河流数据可视化</a:t>
-            </a:r>
-            <a:endParaRPr lang="en-US" altLang="zh-CN" sz="3200" b="1" dirty="0">
+              <a:rPr lang="zh-CN" altLang="en-US" sz="3400" b="1" dirty="0">
+                <a:solidFill>
+                  <a:srgbClr val="FF0000"/>
+                </a:solidFill>
+                <a:latin typeface="+mn-ea"/>
+                <a:ea typeface="+mn-ea"/>
+              </a:rPr>
+              <a:t>云南省湖泊与河流数据可视化分析</a:t>
+            </a:r>
+            <a:endParaRPr lang="en-US" altLang="zh-CN" sz="3400" b="1" dirty="0">
               <a:solidFill>
-                <a:srgbClr val="333333"/>
+                <a:srgbClr val="FF0000"/>
               </a:solidFill>
               <a:latin typeface="+mn-ea"/>
               <a:ea typeface="+mn-ea"/>
-            </a:endParaRPr>
-          </a:p>
-        </p:txBody>
-      </p:sp>
-      <p:sp>
-        <p:nvSpPr>
-          <p:cNvPr id="13" name="TextBox 12">
-            <a:extLst>
-              <a:ext uri="{FF2B5EF4-FFF2-40B4-BE49-F238E27FC236}">
-                <a16:creationId xmlns:a16="http://schemas.microsoft.com/office/drawing/2014/main" id="{EAB2A704-4DDA-B7FA-7F64-D6760D4AF903}"/>
-              </a:ext>
-            </a:extLst>
-          </p:cNvPr>
-          <p:cNvSpPr txBox="1"/>
-          <p:nvPr/>
-        </p:nvSpPr>
-        <p:spPr>
-          <a:xfrm>
-            <a:off x="665480" y="1617668"/>
-            <a:ext cx="10134600" cy="4489627"/>
-          </a:xfrm>
-          <a:prstGeom prst="rect">
-            <a:avLst/>
-          </a:prstGeom>
-          <a:noFill/>
-        </p:spPr>
-        <p:txBody>
-          <a:bodyPr wrap="square">
-            <a:spAutoFit/>
-          </a:bodyPr>
-          <a:lstStyle/>
-          <a:p>
-            <a:pPr algn="just">
-              <a:lnSpc>
-                <a:spcPct val="150000"/>
-              </a:lnSpc>
-            </a:pPr>
-            <a:r>
-              <a:rPr lang="zh-CN" altLang="en-US" sz="2800" b="1" dirty="0">
-                <a:solidFill>
-                  <a:srgbClr val="FF0000"/>
-                </a:solidFill>
-                <a:latin typeface="Times New Roman" panose="02020603050405020304" pitchFamily="18" charset="0"/>
-                <a:ea typeface="+mn-ea"/>
-                <a:cs typeface="Times New Roman" panose="02020603050405020304" pitchFamily="18" charset="0"/>
-              </a:rPr>
-              <a:t>实验目标：</a:t>
-            </a:r>
-            <a:endParaRPr lang="en-US" altLang="zh-CN" sz="2800" b="1" dirty="0">
-              <a:solidFill>
-                <a:srgbClr val="FF0000"/>
-              </a:solidFill>
-              <a:latin typeface="Times New Roman" panose="02020603050405020304" pitchFamily="18" charset="0"/>
-              <a:ea typeface="+mn-ea"/>
-              <a:cs typeface="Times New Roman" panose="02020603050405020304" pitchFamily="18" charset="0"/>
-            </a:endParaRPr>
-          </a:p>
-          <a:p>
-            <a:pPr algn="just">
-              <a:lnSpc>
-                <a:spcPct val="150000"/>
-              </a:lnSpc>
-            </a:pPr>
-            <a:r>
-              <a:rPr lang="zh-CN" altLang="en-US" dirty="0">
-                <a:solidFill>
-                  <a:schemeClr val="bg2"/>
-                </a:solidFill>
-                <a:latin typeface="Times New Roman" panose="02020603050405020304" pitchFamily="18" charset="0"/>
-                <a:ea typeface="+mn-ea"/>
-                <a:cs typeface="Times New Roman" panose="02020603050405020304" pitchFamily="18" charset="0"/>
-              </a:rPr>
-              <a:t>掌握</a:t>
-            </a:r>
-            <a:r>
-              <a:rPr lang="en-US" altLang="zh-CN" dirty="0" err="1">
-                <a:solidFill>
-                  <a:schemeClr val="bg2"/>
-                </a:solidFill>
-                <a:latin typeface="Times New Roman" panose="02020603050405020304" pitchFamily="18" charset="0"/>
-                <a:ea typeface="+mn-ea"/>
-                <a:cs typeface="Times New Roman" panose="02020603050405020304" pitchFamily="18" charset="0"/>
-              </a:rPr>
-              <a:t>cartopy</a:t>
-            </a:r>
-            <a:r>
-              <a:rPr lang="zh-CN" altLang="en-US" dirty="0">
-                <a:solidFill>
-                  <a:schemeClr val="bg2"/>
-                </a:solidFill>
-                <a:latin typeface="Times New Roman" panose="02020603050405020304" pitchFamily="18" charset="0"/>
-                <a:ea typeface="+mn-ea"/>
-                <a:cs typeface="Times New Roman" panose="02020603050405020304" pitchFamily="18" charset="0"/>
-              </a:rPr>
-              <a:t>库地理数据可视化功能</a:t>
-            </a:r>
-            <a:endParaRPr lang="en-US" altLang="zh-CN" dirty="0">
-              <a:solidFill>
-                <a:schemeClr val="bg2"/>
-              </a:solidFill>
-              <a:latin typeface="Times New Roman" panose="02020603050405020304" pitchFamily="18" charset="0"/>
-              <a:ea typeface="+mn-ea"/>
-              <a:cs typeface="Times New Roman" panose="02020603050405020304" pitchFamily="18" charset="0"/>
-            </a:endParaRPr>
-          </a:p>
-          <a:p>
-            <a:pPr algn="just">
-              <a:lnSpc>
-                <a:spcPct val="150000"/>
-              </a:lnSpc>
-            </a:pPr>
-            <a:r>
-              <a:rPr lang="zh-CN" altLang="en-US" sz="2800" b="1" dirty="0">
-                <a:solidFill>
-                  <a:srgbClr val="FF0000"/>
-                </a:solidFill>
-                <a:latin typeface="Times New Roman" panose="02020603050405020304" pitchFamily="18" charset="0"/>
-                <a:ea typeface="+mn-ea"/>
-                <a:cs typeface="Times New Roman" panose="02020603050405020304" pitchFamily="18" charset="0"/>
-              </a:rPr>
-              <a:t>实验内容及要求：</a:t>
-            </a:r>
-            <a:endParaRPr lang="en-US" altLang="zh-CN" sz="2800" b="1" dirty="0">
-              <a:solidFill>
-                <a:srgbClr val="FF0000"/>
-              </a:solidFill>
-              <a:latin typeface="Times New Roman" panose="02020603050405020304" pitchFamily="18" charset="0"/>
-              <a:ea typeface="+mn-ea"/>
-              <a:cs typeface="Times New Roman" panose="02020603050405020304" pitchFamily="18" charset="0"/>
-            </a:endParaRPr>
-          </a:p>
-          <a:p>
-            <a:pPr algn="just">
-              <a:lnSpc>
-                <a:spcPct val="150000"/>
-              </a:lnSpc>
-            </a:pPr>
-            <a:r>
-              <a:rPr lang="zh-CN" altLang="en-US" dirty="0">
-                <a:solidFill>
-                  <a:schemeClr val="bg2"/>
-                </a:solidFill>
-                <a:latin typeface="Times New Roman" panose="02020603050405020304" pitchFamily="18" charset="0"/>
-                <a:ea typeface="+mn-ea"/>
-                <a:cs typeface="Times New Roman" panose="02020603050405020304" pitchFamily="18" charset="0"/>
-              </a:rPr>
-              <a:t>（</a:t>
-            </a:r>
-            <a:r>
-              <a:rPr lang="en-US" altLang="zh-CN" dirty="0">
-                <a:solidFill>
-                  <a:schemeClr val="bg2"/>
-                </a:solidFill>
-                <a:latin typeface="Times New Roman" panose="02020603050405020304" pitchFamily="18" charset="0"/>
-                <a:ea typeface="+mn-ea"/>
-                <a:cs typeface="Times New Roman" panose="02020603050405020304" pitchFamily="18" charset="0"/>
-              </a:rPr>
-              <a:t>1</a:t>
-            </a:r>
-            <a:r>
-              <a:rPr lang="zh-CN" altLang="en-US" dirty="0">
-                <a:solidFill>
-                  <a:schemeClr val="bg2"/>
-                </a:solidFill>
-                <a:latin typeface="Times New Roman" panose="02020603050405020304" pitchFamily="18" charset="0"/>
-                <a:ea typeface="+mn-ea"/>
-                <a:cs typeface="Times New Roman" panose="02020603050405020304" pitchFamily="18" charset="0"/>
-              </a:rPr>
-              <a:t>）收集云南省湖泊与河流数据（</a:t>
-            </a:r>
-            <a:r>
-              <a:rPr lang="en-US" altLang="zh-CN" dirty="0" err="1">
-                <a:solidFill>
-                  <a:schemeClr val="bg2"/>
-                </a:solidFill>
-                <a:latin typeface="Times New Roman" panose="02020603050405020304" pitchFamily="18" charset="0"/>
-                <a:ea typeface="+mn-ea"/>
-                <a:cs typeface="Times New Roman" panose="02020603050405020304" pitchFamily="18" charset="0"/>
-              </a:rPr>
-              <a:t>HydroLake</a:t>
-            </a:r>
-            <a:r>
-              <a:rPr lang="zh-CN" altLang="en-US" dirty="0">
-                <a:solidFill>
-                  <a:schemeClr val="bg2"/>
-                </a:solidFill>
-                <a:latin typeface="Times New Roman" panose="02020603050405020304" pitchFamily="18" charset="0"/>
-                <a:ea typeface="+mn-ea"/>
-                <a:cs typeface="Times New Roman" panose="02020603050405020304" pitchFamily="18" charset="0"/>
-              </a:rPr>
-              <a:t>数据集）。</a:t>
-            </a:r>
-            <a:endParaRPr lang="en-US" altLang="zh-CN" dirty="0">
-              <a:solidFill>
-                <a:schemeClr val="bg2"/>
-              </a:solidFill>
-              <a:latin typeface="Times New Roman" panose="02020603050405020304" pitchFamily="18" charset="0"/>
-              <a:ea typeface="+mn-ea"/>
-              <a:cs typeface="Times New Roman" panose="02020603050405020304" pitchFamily="18" charset="0"/>
-            </a:endParaRPr>
-          </a:p>
-          <a:p>
-            <a:pPr algn="just">
-              <a:lnSpc>
-                <a:spcPct val="150000"/>
-              </a:lnSpc>
-            </a:pPr>
-            <a:r>
-              <a:rPr lang="zh-CN" altLang="en-US" dirty="0">
-                <a:solidFill>
-                  <a:schemeClr val="bg2"/>
-                </a:solidFill>
-                <a:latin typeface="Times New Roman" panose="02020603050405020304" pitchFamily="18" charset="0"/>
-                <a:ea typeface="+mn-ea"/>
-                <a:cs typeface="Times New Roman" panose="02020603050405020304" pitchFamily="18" charset="0"/>
-              </a:rPr>
-              <a:t>（</a:t>
-            </a:r>
-            <a:r>
-              <a:rPr lang="en-US" altLang="zh-CN" dirty="0">
-                <a:solidFill>
-                  <a:schemeClr val="bg2"/>
-                </a:solidFill>
-                <a:latin typeface="Times New Roman" panose="02020603050405020304" pitchFamily="18" charset="0"/>
-                <a:ea typeface="+mn-ea"/>
-                <a:cs typeface="Times New Roman" panose="02020603050405020304" pitchFamily="18" charset="0"/>
-              </a:rPr>
-              <a:t>2</a:t>
-            </a:r>
-            <a:r>
-              <a:rPr lang="zh-CN" altLang="en-US" dirty="0">
-                <a:solidFill>
-                  <a:schemeClr val="bg2"/>
-                </a:solidFill>
-                <a:latin typeface="Times New Roman" panose="02020603050405020304" pitchFamily="18" charset="0"/>
-                <a:ea typeface="+mn-ea"/>
-                <a:cs typeface="Times New Roman" panose="02020603050405020304" pitchFamily="18" charset="0"/>
-              </a:rPr>
-              <a:t>）对云南省湖泊和河流地理信息进行可视化。</a:t>
-            </a:r>
-            <a:endParaRPr lang="en-US" altLang="zh-CN" dirty="0">
-              <a:solidFill>
-                <a:schemeClr val="bg2"/>
-              </a:solidFill>
-              <a:latin typeface="Times New Roman" panose="02020603050405020304" pitchFamily="18" charset="0"/>
-              <a:ea typeface="+mn-ea"/>
-              <a:cs typeface="Times New Roman" panose="02020603050405020304" pitchFamily="18" charset="0"/>
-            </a:endParaRPr>
-          </a:p>
-          <a:p>
-            <a:pPr algn="just">
-              <a:lnSpc>
-                <a:spcPct val="150000"/>
-              </a:lnSpc>
-            </a:pPr>
-            <a:r>
-              <a:rPr lang="zh-CN" altLang="en-US" dirty="0">
-                <a:solidFill>
-                  <a:schemeClr val="bg2"/>
-                </a:solidFill>
-                <a:latin typeface="Times New Roman" panose="02020603050405020304" pitchFamily="18" charset="0"/>
-                <a:ea typeface="+mn-ea"/>
-                <a:cs typeface="Times New Roman" panose="02020603050405020304" pitchFamily="18" charset="0"/>
-              </a:rPr>
-              <a:t>（</a:t>
-            </a:r>
-            <a:r>
-              <a:rPr lang="en-US" altLang="zh-CN" dirty="0">
-                <a:solidFill>
-                  <a:schemeClr val="bg2"/>
-                </a:solidFill>
-                <a:latin typeface="Times New Roman" panose="02020603050405020304" pitchFamily="18" charset="0"/>
-                <a:ea typeface="+mn-ea"/>
-                <a:cs typeface="Times New Roman" panose="02020603050405020304" pitchFamily="18" charset="0"/>
-              </a:rPr>
-              <a:t>3</a:t>
-            </a:r>
-            <a:r>
-              <a:rPr lang="zh-CN" altLang="en-US" dirty="0">
-                <a:solidFill>
-                  <a:schemeClr val="bg2"/>
-                </a:solidFill>
-                <a:latin typeface="Times New Roman" panose="02020603050405020304" pitchFamily="18" charset="0"/>
-                <a:ea typeface="+mn-ea"/>
-                <a:cs typeface="Times New Roman" panose="02020603050405020304" pitchFamily="18" charset="0"/>
-              </a:rPr>
-              <a:t>）采用开源库</a:t>
-            </a:r>
-            <a:r>
-              <a:rPr lang="en-US" altLang="zh-CN" dirty="0" err="1">
-                <a:solidFill>
-                  <a:schemeClr val="bg2"/>
-                </a:solidFill>
-                <a:latin typeface="Times New Roman" panose="02020603050405020304" pitchFamily="18" charset="0"/>
-                <a:ea typeface="+mn-ea"/>
-                <a:cs typeface="Times New Roman" panose="02020603050405020304" pitchFamily="18" charset="0"/>
-              </a:rPr>
-              <a:t>cartopy</a:t>
-            </a:r>
-            <a:r>
-              <a:rPr lang="en-US" altLang="zh-CN" dirty="0">
-                <a:solidFill>
-                  <a:schemeClr val="bg2"/>
-                </a:solidFill>
-                <a:latin typeface="Times New Roman" panose="02020603050405020304" pitchFamily="18" charset="0"/>
-                <a:ea typeface="+mn-ea"/>
-                <a:cs typeface="Times New Roman" panose="02020603050405020304" pitchFamily="18" charset="0"/>
-              </a:rPr>
-              <a:t>, matplotlib</a:t>
-            </a:r>
-            <a:r>
-              <a:rPr lang="zh-CN" altLang="en-US" dirty="0">
-                <a:solidFill>
-                  <a:schemeClr val="bg2"/>
-                </a:solidFill>
-                <a:latin typeface="Times New Roman" panose="02020603050405020304" pitchFamily="18" charset="0"/>
-                <a:ea typeface="+mn-ea"/>
-                <a:cs typeface="Times New Roman" panose="02020603050405020304" pitchFamily="18" charset="0"/>
-              </a:rPr>
-              <a:t>等实现，结果及核心代码发课程群。</a:t>
-            </a:r>
-            <a:endParaRPr lang="en-US" altLang="zh-CN" dirty="0">
-              <a:solidFill>
-                <a:schemeClr val="bg2"/>
-              </a:solidFill>
-              <a:latin typeface="Times New Roman" panose="02020603050405020304" pitchFamily="18" charset="0"/>
-              <a:ea typeface="+mn-ea"/>
-              <a:cs typeface="Times New Roman" panose="02020603050405020304" pitchFamily="18" charset="0"/>
             </a:endParaRPr>
           </a:p>
         </p:txBody>
@@ -42604,8 +42276,8 @@
         </p:nvSpPr>
         <p:spPr>
           <a:xfrm>
-            <a:off x="665480" y="6260271"/>
-            <a:ext cx="11091090" cy="400110"/>
+            <a:off x="665480" y="6313681"/>
+            <a:ext cx="10970050" cy="461665"/>
           </a:xfrm>
           <a:prstGeom prst="rect">
             <a:avLst/>
@@ -42619,7 +42291,7 @@
           <a:lstStyle/>
           <a:p>
             <a:r>
-              <a:rPr lang="zh-CN" altLang="en-US" sz="2000" dirty="0">
+              <a:rPr lang="zh-CN" altLang="en-US" dirty="0">
                 <a:solidFill>
                   <a:schemeClr val="bg1"/>
                 </a:solidFill>
@@ -42628,13 +42300,442 @@
               </a:rPr>
               <a:t>数据获取途径：https://www.hydrosheds.org/products/hydrolakes</a:t>
             </a:r>
+          </a:p>
+        </p:txBody>
+      </p:sp>
+      <p:sp>
+        <p:nvSpPr>
+          <p:cNvPr id="5" name="TextBox 12">
+            <a:extLst>
+              <a:ext uri="{FF2B5EF4-FFF2-40B4-BE49-F238E27FC236}">
+                <a16:creationId xmlns:a16="http://schemas.microsoft.com/office/drawing/2014/main" id="{83D51E99-1A6B-9657-ED4A-C80DD3071685}"/>
+              </a:ext>
+            </a:extLst>
+          </p:cNvPr>
+          <p:cNvSpPr txBox="1"/>
+          <p:nvPr/>
+        </p:nvSpPr>
+        <p:spPr>
+          <a:xfrm>
+            <a:off x="209726" y="1845310"/>
+            <a:ext cx="11778142" cy="4185761"/>
+          </a:xfrm>
+          <a:prstGeom prst="rect">
+            <a:avLst/>
+          </a:prstGeom>
+          <a:noFill/>
+        </p:spPr>
+        <p:txBody>
+          <a:bodyPr wrap="square">
+            <a:spAutoFit/>
+          </a:bodyPr>
+          <a:lstStyle/>
+          <a:p>
+            <a:pPr algn="just"/>
+            <a:r>
+              <a:rPr lang="zh-CN" altLang="en-US" sz="2800" b="1" dirty="0">
+                <a:solidFill>
+                  <a:srgbClr val="333333"/>
+                </a:solidFill>
+                <a:latin typeface="+mn-ea"/>
+                <a:ea typeface="+mn-ea"/>
+              </a:rPr>
+              <a:t>作业数据：</a:t>
+            </a:r>
+            <a:r>
+              <a:rPr lang="en-US" altLang="zh-CN" sz="2800" b="1" dirty="0" err="1">
+                <a:solidFill>
+                  <a:srgbClr val="333333"/>
+                </a:solidFill>
+                <a:latin typeface="+mn-ea"/>
+                <a:ea typeface="+mn-ea"/>
+              </a:rPr>
+              <a:t>HydroLake</a:t>
+            </a:r>
+            <a:r>
+              <a:rPr lang="zh-CN" altLang="en-US" sz="2800" b="1" dirty="0">
+                <a:solidFill>
+                  <a:srgbClr val="333333"/>
+                </a:solidFill>
+                <a:latin typeface="+mn-ea"/>
+                <a:ea typeface="+mn-ea"/>
+              </a:rPr>
+              <a:t>数据集、</a:t>
+            </a:r>
+            <a:r>
+              <a:rPr lang="en-US" altLang="zh-CN" sz="2800" b="1" dirty="0">
+                <a:solidFill>
+                  <a:srgbClr val="333333"/>
+                </a:solidFill>
+                <a:latin typeface="+mn-ea"/>
+                <a:ea typeface="+mn-ea"/>
+              </a:rPr>
+              <a:t>DEM</a:t>
+            </a:r>
+            <a:r>
+              <a:rPr lang="zh-CN" altLang="en-US" sz="2800" b="1" dirty="0">
+                <a:solidFill>
+                  <a:srgbClr val="333333"/>
+                </a:solidFill>
+                <a:latin typeface="+mn-ea"/>
+                <a:ea typeface="+mn-ea"/>
+              </a:rPr>
+              <a:t>数据、遥感影像等。</a:t>
+            </a:r>
+            <a:endParaRPr lang="en-US" altLang="zh-CN" sz="2800" b="1" dirty="0">
+              <a:solidFill>
+                <a:srgbClr val="333333"/>
+              </a:solidFill>
+              <a:latin typeface="+mn-ea"/>
+              <a:ea typeface="+mn-ea"/>
+            </a:endParaRPr>
+          </a:p>
+          <a:p>
+            <a:pPr algn="just"/>
+            <a:r>
+              <a:rPr lang="zh-CN" altLang="en-US" sz="2800" b="1" dirty="0">
+                <a:solidFill>
+                  <a:srgbClr val="333333"/>
+                </a:solidFill>
+                <a:latin typeface="+mn-ea"/>
+                <a:ea typeface="+mn-ea"/>
+              </a:rPr>
+              <a:t>作业内容：</a:t>
+            </a:r>
+            <a:endParaRPr lang="en-US" altLang="zh-CN" sz="2800" b="1" dirty="0">
+              <a:solidFill>
+                <a:srgbClr val="333333"/>
+              </a:solidFill>
+              <a:latin typeface="+mn-ea"/>
+              <a:ea typeface="+mn-ea"/>
+            </a:endParaRPr>
+          </a:p>
+          <a:p>
+            <a:pPr algn="just"/>
+            <a:r>
+              <a:rPr lang="zh-CN" altLang="en-US" sz="2800" dirty="0">
+                <a:solidFill>
+                  <a:srgbClr val="333333"/>
+                </a:solidFill>
+                <a:latin typeface="+mn-ea"/>
+                <a:ea typeface="+mn-ea"/>
+              </a:rPr>
+              <a:t>（</a:t>
+            </a:r>
+            <a:r>
+              <a:rPr lang="en-US" altLang="zh-CN" sz="2800" dirty="0">
+                <a:solidFill>
+                  <a:srgbClr val="333333"/>
+                </a:solidFill>
+                <a:latin typeface="+mn-ea"/>
+                <a:ea typeface="+mn-ea"/>
+              </a:rPr>
+              <a:t>1</a:t>
+            </a:r>
+            <a:r>
+              <a:rPr lang="zh-CN" altLang="en-US" sz="2800" dirty="0">
+                <a:solidFill>
+                  <a:srgbClr val="333333"/>
+                </a:solidFill>
+                <a:latin typeface="+mn-ea"/>
+                <a:ea typeface="+mn-ea"/>
+              </a:rPr>
+              <a:t>）采用</a:t>
+            </a:r>
+            <a:r>
+              <a:rPr lang="en-US" altLang="zh-CN" sz="2800" dirty="0" err="1">
+                <a:solidFill>
+                  <a:srgbClr val="333333"/>
+                </a:solidFill>
+                <a:latin typeface="+mn-ea"/>
+                <a:ea typeface="+mn-ea"/>
+              </a:rPr>
+              <a:t>geopandas</a:t>
+            </a:r>
+            <a:r>
+              <a:rPr lang="zh-CN" altLang="en-US" sz="2800" dirty="0">
+                <a:solidFill>
+                  <a:srgbClr val="333333"/>
+                </a:solidFill>
+                <a:latin typeface="+mn-ea"/>
+                <a:ea typeface="+mn-ea"/>
+              </a:rPr>
+              <a:t>、</a:t>
+            </a:r>
+            <a:r>
+              <a:rPr lang="en-US" altLang="zh-CN" sz="2800" dirty="0" err="1">
+                <a:solidFill>
+                  <a:srgbClr val="333333"/>
+                </a:solidFill>
+                <a:latin typeface="+mn-ea"/>
+                <a:ea typeface="+mn-ea"/>
+              </a:rPr>
+              <a:t>cartopy</a:t>
+            </a:r>
+            <a:r>
+              <a:rPr lang="zh-CN" altLang="en-US" sz="2800" dirty="0">
+                <a:solidFill>
+                  <a:srgbClr val="333333"/>
+                </a:solidFill>
+                <a:latin typeface="+mn-ea"/>
+                <a:ea typeface="+mn-ea"/>
+              </a:rPr>
+              <a:t>等开源库对云南省湖泊河流数据进行展示；</a:t>
+            </a:r>
+            <a:endParaRPr lang="en-US" altLang="zh-CN" sz="2800" dirty="0">
+              <a:solidFill>
+                <a:srgbClr val="333333"/>
+              </a:solidFill>
+              <a:latin typeface="+mn-ea"/>
+              <a:ea typeface="+mn-ea"/>
+            </a:endParaRPr>
+          </a:p>
+          <a:p>
+            <a:pPr algn="just"/>
+            <a:r>
+              <a:rPr lang="zh-CN" altLang="en-US" sz="2800" dirty="0">
+                <a:solidFill>
+                  <a:srgbClr val="333333"/>
+                </a:solidFill>
+                <a:latin typeface="+mn-ea"/>
+                <a:ea typeface="+mn-ea"/>
+              </a:rPr>
+              <a:t>（</a:t>
+            </a:r>
+            <a:r>
+              <a:rPr lang="en-US" altLang="zh-CN" sz="2800" dirty="0">
+                <a:solidFill>
+                  <a:srgbClr val="333333"/>
+                </a:solidFill>
+                <a:latin typeface="+mn-ea"/>
+                <a:ea typeface="+mn-ea"/>
+              </a:rPr>
+              <a:t>2</a:t>
+            </a:r>
+            <a:r>
+              <a:rPr lang="zh-CN" altLang="en-US" sz="2800" dirty="0">
+                <a:solidFill>
+                  <a:srgbClr val="333333"/>
+                </a:solidFill>
+                <a:latin typeface="+mn-ea"/>
+                <a:ea typeface="+mn-ea"/>
+              </a:rPr>
+              <a:t>）对云南省湖泊与河流属性信息进行统计与可视化分析；</a:t>
+            </a:r>
+            <a:endParaRPr lang="en-US" altLang="zh-CN" sz="2800" dirty="0">
+              <a:solidFill>
+                <a:srgbClr val="333333"/>
+              </a:solidFill>
+              <a:latin typeface="+mn-ea"/>
+              <a:ea typeface="+mn-ea"/>
+            </a:endParaRPr>
+          </a:p>
+          <a:p>
+            <a:pPr algn="just"/>
+            <a:r>
+              <a:rPr lang="zh-CN" altLang="en-US" sz="2800" b="1" dirty="0">
+                <a:solidFill>
+                  <a:srgbClr val="333333"/>
+                </a:solidFill>
+                <a:latin typeface="+mn-ea"/>
+                <a:ea typeface="+mn-ea"/>
+              </a:rPr>
+              <a:t>作业提交：</a:t>
+            </a:r>
+            <a:r>
+              <a:rPr lang="en-US" altLang="zh-CN" sz="2800" dirty="0">
+                <a:solidFill>
+                  <a:srgbClr val="333333"/>
+                </a:solidFill>
+                <a:latin typeface="+mn-ea"/>
+                <a:ea typeface="+mn-ea"/>
+              </a:rPr>
+              <a:t>markdown</a:t>
+            </a:r>
+            <a:r>
+              <a:rPr lang="zh-CN" altLang="en-US" sz="2800" dirty="0">
+                <a:solidFill>
+                  <a:srgbClr val="333333"/>
+                </a:solidFill>
+                <a:latin typeface="+mn-ea"/>
+                <a:ea typeface="+mn-ea"/>
+              </a:rPr>
+              <a:t>格式实验文档，作业文件不超过</a:t>
+            </a:r>
+            <a:r>
+              <a:rPr lang="en-US" altLang="zh-CN" sz="2800" dirty="0">
+                <a:solidFill>
+                  <a:srgbClr val="333333"/>
+                </a:solidFill>
+                <a:latin typeface="+mn-ea"/>
+                <a:ea typeface="+mn-ea"/>
+              </a:rPr>
+              <a:t>1M</a:t>
+            </a:r>
+            <a:r>
+              <a:rPr lang="zh-CN" altLang="en-US" sz="2800" dirty="0">
+                <a:solidFill>
+                  <a:srgbClr val="333333"/>
+                </a:solidFill>
+                <a:latin typeface="+mn-ea"/>
+                <a:ea typeface="+mn-ea"/>
+              </a:rPr>
+              <a:t>；要求格式规范、内容准确、实验细节充分。</a:t>
+            </a:r>
+            <a:endParaRPr lang="en-US" altLang="zh-CN" sz="2800" dirty="0">
+              <a:solidFill>
+                <a:srgbClr val="333333"/>
+              </a:solidFill>
+              <a:latin typeface="+mn-ea"/>
+              <a:ea typeface="+mn-ea"/>
+            </a:endParaRPr>
+          </a:p>
+          <a:p>
+            <a:pPr algn="just"/>
+            <a:r>
+              <a:rPr lang="zh-CN" altLang="en-US" sz="2800" b="1" dirty="0">
+                <a:solidFill>
+                  <a:srgbClr val="333333"/>
+                </a:solidFill>
+                <a:latin typeface="+mn-ea"/>
+                <a:ea typeface="+mn-ea"/>
+              </a:rPr>
+              <a:t>难度</a:t>
+            </a:r>
+            <a:r>
+              <a:rPr lang="zh-CN" altLang="en-US" sz="2800" dirty="0">
+                <a:solidFill>
+                  <a:srgbClr val="333333"/>
+                </a:solidFill>
+                <a:latin typeface="+mn-ea"/>
+                <a:ea typeface="+mn-ea"/>
+              </a:rPr>
+              <a:t>：</a:t>
+            </a:r>
+            <a:r>
+              <a:rPr lang="en-US" altLang="zh-CN" sz="2800" b="1" u="sng" dirty="0">
+                <a:solidFill>
+                  <a:srgbClr val="FF0000"/>
+                </a:solidFill>
+                <a:latin typeface="+mn-ea"/>
+                <a:ea typeface="+mn-ea"/>
+              </a:rPr>
+              <a:t>2</a:t>
+            </a:r>
+            <a:r>
+              <a:rPr lang="zh-CN" altLang="en-US" sz="2800" b="1" u="sng" dirty="0">
+                <a:solidFill>
+                  <a:srgbClr val="FF0000"/>
+                </a:solidFill>
+                <a:latin typeface="+mn-ea"/>
+                <a:ea typeface="+mn-ea"/>
+              </a:rPr>
+              <a:t>星</a:t>
+            </a:r>
+            <a:r>
+              <a:rPr lang="zh-CN" altLang="en-US" sz="2800" b="1" dirty="0">
+                <a:solidFill>
+                  <a:srgbClr val="333333"/>
+                </a:solidFill>
+                <a:latin typeface="+mn-ea"/>
+                <a:ea typeface="+mn-ea"/>
+              </a:rPr>
+              <a:t>；</a:t>
+            </a:r>
+            <a:r>
+              <a:rPr lang="zh-CN" altLang="en-US" sz="2800" b="1" dirty="0">
+                <a:solidFill>
+                  <a:srgbClr val="FF0000"/>
+                </a:solidFill>
+                <a:latin typeface="+mn-ea"/>
+                <a:ea typeface="+mn-ea"/>
+              </a:rPr>
+              <a:t>               </a:t>
+            </a:r>
+            <a:r>
+              <a:rPr lang="zh-CN" altLang="en-US" sz="2800" b="1" dirty="0">
+                <a:solidFill>
+                  <a:srgbClr val="333333"/>
+                </a:solidFill>
+                <a:latin typeface="+mn-ea"/>
+                <a:ea typeface="+mn-ea"/>
+              </a:rPr>
+              <a:t>截止日期：</a:t>
+            </a:r>
+            <a:r>
+              <a:rPr lang="en-US" altLang="zh-CN" sz="2800" b="1" u="sng" dirty="0">
+                <a:solidFill>
+                  <a:srgbClr val="FF0000"/>
+                </a:solidFill>
+                <a:latin typeface="+mn-ea"/>
+                <a:ea typeface="+mn-ea"/>
+              </a:rPr>
+              <a:t>2025</a:t>
+            </a:r>
+            <a:r>
+              <a:rPr lang="zh-CN" altLang="en-US" sz="2800" b="1" u="sng" dirty="0">
+                <a:solidFill>
+                  <a:srgbClr val="FF0000"/>
+                </a:solidFill>
+                <a:latin typeface="+mn-ea"/>
+                <a:ea typeface="+mn-ea"/>
+              </a:rPr>
+              <a:t>年</a:t>
+            </a:r>
+            <a:r>
+              <a:rPr lang="en-US" altLang="zh-CN" sz="2800" b="1" u="sng" dirty="0">
+                <a:solidFill>
+                  <a:srgbClr val="FF0000"/>
+                </a:solidFill>
+                <a:latin typeface="+mn-ea"/>
+                <a:ea typeface="+mn-ea"/>
+              </a:rPr>
+              <a:t>12</a:t>
+            </a:r>
+            <a:r>
+              <a:rPr lang="zh-CN" altLang="en-US" sz="2800" b="1" u="sng" dirty="0">
+                <a:solidFill>
+                  <a:srgbClr val="FF0000"/>
+                </a:solidFill>
+                <a:latin typeface="+mn-ea"/>
+                <a:ea typeface="+mn-ea"/>
+              </a:rPr>
+              <a:t>月</a:t>
+            </a:r>
+            <a:r>
+              <a:rPr lang="en-US" altLang="zh-CN" sz="2800" b="1" u="sng" dirty="0">
+                <a:solidFill>
+                  <a:srgbClr val="FF0000"/>
+                </a:solidFill>
+                <a:latin typeface="+mn-ea"/>
+                <a:ea typeface="+mn-ea"/>
+              </a:rPr>
+              <a:t>10</a:t>
+            </a:r>
+            <a:r>
+              <a:rPr lang="zh-CN" altLang="en-US" sz="2800" b="1" u="sng" dirty="0">
+                <a:solidFill>
+                  <a:srgbClr val="FF0000"/>
+                </a:solidFill>
+                <a:latin typeface="+mn-ea"/>
+                <a:ea typeface="+mn-ea"/>
+              </a:rPr>
+              <a:t>日</a:t>
+            </a:r>
+            <a:endParaRPr lang="en-US" altLang="zh-CN" sz="2800" b="1" u="sng" dirty="0">
+              <a:solidFill>
+                <a:srgbClr val="FF0000"/>
+              </a:solidFill>
+              <a:latin typeface="+mn-ea"/>
+              <a:ea typeface="+mn-ea"/>
+            </a:endParaRPr>
           </a:p>
         </p:txBody>
       </p:sp>
     </p:spTree>
     <p:extLst>
       <p:ext uri="{BB962C8B-B14F-4D97-AF65-F5344CB8AC3E}">
-        <p14:creationId xmlns:p14="http://schemas.microsoft.com/office/powerpoint/2010/main" val="3225366074"/>
+        <p14:creationId xmlns:p14="http://schemas.microsoft.com/office/powerpoint/2010/main" val="3234542674"/>
       </p:ext>
     </p:extLst>
   </p:cSld>
@@ -43106,7 +43207,7 @@
               </a14:hiddenLine>
             </a:ext>
             <a:ext uri="{FAA26D3D-D897-4be2-8F04-BA451C77F1D7}">
-              <ma14:placeholderFlag xmlns:ma14="http://schemas.microsoft.com/office/mac/drawingml/2011/main" xmlns="" val="1"/>
+              <ma14:placeholderFlag xmlns="" xmlns:ma14="http://schemas.microsoft.com/office/mac/drawingml/2011/main" val="1"/>
             </a:ext>
           </a:extLst>
         </p:spPr>

--- a/第6章-GIS数据处理高级开源库-10课时/第6章-GIS数据处理高级开源库.pptx
+++ b/第6章-GIS数据处理高级开源库-10课时/第6章-GIS数据处理高级开源库.pptx
@@ -7139,7 +7139,7 @@
               </a14:hiddenFill>
             </a:ext>
             <a:ext uri="{FAA26D3D-D897-4be2-8F04-BA451C77F1D7}">
-              <ma14:placeholderFlag xmlns="" xmlns:ma14="http://schemas.microsoft.com/office/mac/drawingml/2011/main" val="1"/>
+              <ma14:placeholderFlag xmlns:ma14="http://schemas.microsoft.com/office/mac/drawingml/2011/main" xmlns="" val="1"/>
             </a:ext>
           </a:extLst>
         </p:spPr>
@@ -7527,7 +7527,7 @@
               </a14:hiddenLine>
             </a:ext>
             <a:ext uri="{FAA26D3D-D897-4be2-8F04-BA451C77F1D7}">
-              <ma14:placeholderFlag xmlns="" xmlns:ma14="http://schemas.microsoft.com/office/mac/drawingml/2011/main" val="1"/>
+              <ma14:placeholderFlag xmlns:ma14="http://schemas.microsoft.com/office/mac/drawingml/2011/main" xmlns="" val="1"/>
             </a:ext>
           </a:extLst>
         </p:spPr>
@@ -11958,7 +11958,7 @@
               </a14:hiddenLine>
             </a:ext>
             <a:ext uri="{FAA26D3D-D897-4be2-8F04-BA451C77F1D7}">
-              <ma14:placeholderFlag xmlns="" xmlns:ma14="http://schemas.microsoft.com/office/mac/drawingml/2011/main" val="1"/>
+              <ma14:placeholderFlag xmlns:ma14="http://schemas.microsoft.com/office/mac/drawingml/2011/main" xmlns="" val="1"/>
             </a:ext>
           </a:extLst>
         </p:spPr>
@@ -15654,7 +15654,7 @@
               </a14:hiddenLine>
             </a:ext>
             <a:ext uri="{FAA26D3D-D897-4be2-8F04-BA451C77F1D7}">
-              <ma14:placeholderFlag xmlns="" xmlns:ma14="http://schemas.microsoft.com/office/mac/drawingml/2011/main" val="1"/>
+              <ma14:placeholderFlag xmlns:ma14="http://schemas.microsoft.com/office/mac/drawingml/2011/main" xmlns="" val="1"/>
             </a:ext>
           </a:extLst>
         </p:spPr>
@@ -42318,7 +42318,7 @@
         <p:spPr>
           <a:xfrm>
             <a:off x="209726" y="1845310"/>
-            <a:ext cx="11778142" cy="4185761"/>
+            <a:ext cx="11778142" cy="4616648"/>
           </a:xfrm>
           <a:prstGeom prst="rect">
             <a:avLst/>
@@ -42441,6 +42441,26 @@
                 <a:ea typeface="+mn-ea"/>
               </a:rPr>
               <a:t>）采用</a:t>
+            </a:r>
+            <a:r>
+              <a:rPr lang="en-US" altLang="zh-CN" sz="2800" dirty="0" err="1">
+                <a:solidFill>
+                  <a:srgbClr val="333333"/>
+                </a:solidFill>
+                <a:latin typeface="+mn-ea"/>
+                <a:ea typeface="+mn-ea"/>
+              </a:rPr>
+              <a:t>rasterio</a:t>
+            </a:r>
+            <a:r>
+              <a:rPr lang="zh-CN" altLang="en-US" sz="2800" dirty="0">
+                <a:solidFill>
+                  <a:srgbClr val="333333"/>
+                </a:solidFill>
+                <a:latin typeface="+mn-ea"/>
+                <a:ea typeface="+mn-ea"/>
+              </a:rPr>
+              <a:t>、</a:t>
             </a:r>
             <a:r>
               <a:rPr lang="en-US" altLang="zh-CN" sz="2800" dirty="0" err="1">
@@ -43207,7 +43227,7 @@
               </a14:hiddenLine>
             </a:ext>
             <a:ext uri="{FAA26D3D-D897-4be2-8F04-BA451C77F1D7}">
-              <ma14:placeholderFlag xmlns="" xmlns:ma14="http://schemas.microsoft.com/office/mac/drawingml/2011/main" val="1"/>
+              <ma14:placeholderFlag xmlns:ma14="http://schemas.microsoft.com/office/mac/drawingml/2011/main" xmlns="" val="1"/>
             </a:ext>
           </a:extLst>
         </p:spPr>
